--- a/MapSize.pptx
+++ b/MapSize.pptx
@@ -2,12 +2,13 @@
 <file path=ppt/presentation.xml><?xml version="1.0" encoding="utf-8"?>
 <p:presentation xmlns:a="http://schemas.openxmlformats.org/drawingml/2006/main" xmlns:r="http://schemas.openxmlformats.org/officeDocument/2006/relationships" xmlns:p="http://schemas.openxmlformats.org/presentationml/2006/main" saveSubsetFonts="1">
   <p:sldMasterIdLst>
-    <p:sldMasterId id="2147483660" r:id="rId1"/>
+    <p:sldMasterId id="2147483672" r:id="rId1"/>
   </p:sldMasterIdLst>
   <p:sldIdLst>
     <p:sldId id="256" r:id="rId2"/>
+    <p:sldId id="257" r:id="rId3"/>
   </p:sldIdLst>
-  <p:sldSz cx="38100000" cy="7620000"/>
+  <p:sldSz cx="38100000" cy="10287000"/>
   <p:notesSz cx="6858000" cy="9144000"/>
   <p:defaultTextStyle>
     <a:defPPr>
@@ -104,6 +105,11 @@
       </a:defRPr>
     </a:lvl9pPr>
   </p:defaultTextStyle>
+  <p:extLst>
+    <p:ext uri="{EFAFB233-063F-42B5-8137-9DF3F51BA10A}">
+      <p15:sldGuideLst xmlns:p15="http://schemas.microsoft.com/office/powerpoint/2012/main"/>
+    </p:ext>
+  </p:extLst>
 </p:presentation>
 </file>
 
@@ -136,15 +142,15 @@
         </p:nvSpPr>
         <p:spPr>
           <a:xfrm>
-            <a:off x="4762500" y="1247070"/>
-            <a:ext cx="28575000" cy="2652889"/>
+            <a:off x="4762500" y="1683545"/>
+            <a:ext cx="28575000" cy="3581400"/>
           </a:xfrm>
         </p:spPr>
         <p:txBody>
           <a:bodyPr anchor="b"/>
           <a:lstStyle>
             <a:lvl1pPr algn="ctr">
-              <a:defRPr sz="6667"/>
+              <a:defRPr sz="9000"/>
             </a:lvl1pPr>
           </a:lstStyle>
           <a:p>
@@ -168,8 +174,8 @@
         </p:nvSpPr>
         <p:spPr>
           <a:xfrm>
-            <a:off x="4762500" y="4002264"/>
-            <a:ext cx="28575000" cy="1839736"/>
+            <a:off x="4762500" y="5403057"/>
+            <a:ext cx="28575000" cy="2483643"/>
           </a:xfrm>
         </p:spPr>
         <p:txBody>
@@ -177,45 +183,45 @@
           <a:lstStyle>
             <a:lvl1pPr marL="0" indent="0" algn="ctr">
               <a:buNone/>
-              <a:defRPr sz="2667"/>
+              <a:defRPr sz="3600"/>
             </a:lvl1pPr>
-            <a:lvl2pPr marL="507995" indent="0" algn="ctr">
-              <a:buNone/>
-              <a:defRPr sz="2222"/>
+            <a:lvl2pPr marL="685800" indent="0" algn="ctr">
+              <a:buNone/>
+              <a:defRPr sz="3000"/>
             </a:lvl2pPr>
-            <a:lvl3pPr marL="1015990" indent="0" algn="ctr">
-              <a:buNone/>
-              <a:defRPr sz="2000"/>
+            <a:lvl3pPr marL="1371600" indent="0" algn="ctr">
+              <a:buNone/>
+              <a:defRPr sz="2700"/>
             </a:lvl3pPr>
-            <a:lvl4pPr marL="1523985" indent="0" algn="ctr">
-              <a:buNone/>
-              <a:defRPr sz="1778"/>
+            <a:lvl4pPr marL="2057400" indent="0" algn="ctr">
+              <a:buNone/>
+              <a:defRPr sz="2400"/>
             </a:lvl4pPr>
-            <a:lvl5pPr marL="2031980" indent="0" algn="ctr">
-              <a:buNone/>
-              <a:defRPr sz="1778"/>
+            <a:lvl5pPr marL="2743200" indent="0" algn="ctr">
+              <a:buNone/>
+              <a:defRPr sz="2400"/>
             </a:lvl5pPr>
-            <a:lvl6pPr marL="2539975" indent="0" algn="ctr">
-              <a:buNone/>
-              <a:defRPr sz="1778"/>
+            <a:lvl6pPr marL="3429000" indent="0" algn="ctr">
+              <a:buNone/>
+              <a:defRPr sz="2400"/>
             </a:lvl6pPr>
-            <a:lvl7pPr marL="3047970" indent="0" algn="ctr">
-              <a:buNone/>
-              <a:defRPr sz="1778"/>
+            <a:lvl7pPr marL="4114800" indent="0" algn="ctr">
+              <a:buNone/>
+              <a:defRPr sz="2400"/>
             </a:lvl7pPr>
-            <a:lvl8pPr marL="3555964" indent="0" algn="ctr">
-              <a:buNone/>
-              <a:defRPr sz="1778"/>
+            <a:lvl8pPr marL="4800600" indent="0" algn="ctr">
+              <a:buNone/>
+              <a:defRPr sz="2400"/>
             </a:lvl8pPr>
-            <a:lvl9pPr marL="4063959" indent="0" algn="ctr">
-              <a:buNone/>
-              <a:defRPr sz="1778"/>
+            <a:lvl9pPr marL="5486400" indent="0" algn="ctr">
+              <a:buNone/>
+              <a:defRPr sz="2400"/>
             </a:lvl9pPr>
           </a:lstStyle>
           <a:p>
             <a:r>
               <a:rPr lang="ko-KR" altLang="en-US" smtClean="0"/>
-              <a:t>클릭하여 마스터 부제목 스타일 편집</a:t>
+              <a:t>마스터 부제목 스타일 편집</a:t>
             </a:r>
             <a:endParaRPr lang="en-US" dirty="0"/>
           </a:p>
@@ -238,7 +244,7 @@
           <a:p>
             <a:fld id="{49ABB9C4-C555-490E-9DA6-619326A1103B}" type="datetimeFigureOut">
               <a:rPr lang="ko-KR" altLang="en-US" smtClean="0"/>
-              <a:t>2022-01-26</a:t>
+              <a:t>2022-01-27</a:t>
             </a:fld>
             <a:endParaRPr lang="ko-KR" altLang="en-US"/>
           </a:p>
@@ -289,7 +295,7 @@
     </p:spTree>
     <p:extLst>
       <p:ext uri="{BB962C8B-B14F-4D97-AF65-F5344CB8AC3E}">
-        <p14:creationId xmlns:p14="http://schemas.microsoft.com/office/powerpoint/2010/main" val="2342863616"/>
+        <p14:creationId xmlns:p14="http://schemas.microsoft.com/office/powerpoint/2010/main" val="862655726"/>
       </p:ext>
     </p:extLst>
   </p:cSld>
@@ -357,7 +363,7 @@
             <a:pPr lvl="0"/>
             <a:r>
               <a:rPr lang="ko-KR" altLang="en-US" smtClean="0"/>
-              <a:t>마스터 텍스트 스타일 편집</a:t>
+              <a:t>마스터 텍스트 스타일을 편집합니다</a:t>
             </a:r>
           </a:p>
           <a:p>
@@ -408,7 +414,7 @@
           <a:p>
             <a:fld id="{49ABB9C4-C555-490E-9DA6-619326A1103B}" type="datetimeFigureOut">
               <a:rPr lang="ko-KR" altLang="en-US" smtClean="0"/>
-              <a:t>2022-01-26</a:t>
+              <a:t>2022-01-27</a:t>
             </a:fld>
             <a:endParaRPr lang="ko-KR" altLang="en-US"/>
           </a:p>
@@ -459,7 +465,7 @@
     </p:spTree>
     <p:extLst>
       <p:ext uri="{BB962C8B-B14F-4D97-AF65-F5344CB8AC3E}">
-        <p14:creationId xmlns:p14="http://schemas.microsoft.com/office/powerpoint/2010/main" val="1528979424"/>
+        <p14:creationId xmlns:p14="http://schemas.microsoft.com/office/powerpoint/2010/main" val="3246278910"/>
       </p:ext>
     </p:extLst>
   </p:cSld>
@@ -498,8 +504,8 @@
         </p:nvSpPr>
         <p:spPr>
           <a:xfrm>
-            <a:off x="27265312" y="405694"/>
-            <a:ext cx="8215313" cy="6457598"/>
+            <a:off x="27265312" y="547688"/>
+            <a:ext cx="8215313" cy="8717757"/>
           </a:xfrm>
         </p:spPr>
         <p:txBody>
@@ -526,8 +532,8 @@
         </p:nvSpPr>
         <p:spPr>
           <a:xfrm>
-            <a:off x="2619375" y="405694"/>
-            <a:ext cx="24169688" cy="6457598"/>
+            <a:off x="2619375" y="547688"/>
+            <a:ext cx="24169688" cy="8717757"/>
           </a:xfrm>
         </p:spPr>
         <p:txBody>
@@ -537,7 +543,7 @@
             <a:pPr lvl="0"/>
             <a:r>
               <a:rPr lang="ko-KR" altLang="en-US" smtClean="0"/>
-              <a:t>마스터 텍스트 스타일 편집</a:t>
+              <a:t>마스터 텍스트 스타일을 편집합니다</a:t>
             </a:r>
           </a:p>
           <a:p>
@@ -588,7 +594,7 @@
           <a:p>
             <a:fld id="{49ABB9C4-C555-490E-9DA6-619326A1103B}" type="datetimeFigureOut">
               <a:rPr lang="ko-KR" altLang="en-US" smtClean="0"/>
-              <a:t>2022-01-26</a:t>
+              <a:t>2022-01-27</a:t>
             </a:fld>
             <a:endParaRPr lang="ko-KR" altLang="en-US"/>
           </a:p>
@@ -639,7 +645,7 @@
     </p:spTree>
     <p:extLst>
       <p:ext uri="{BB962C8B-B14F-4D97-AF65-F5344CB8AC3E}">
-        <p14:creationId xmlns:p14="http://schemas.microsoft.com/office/powerpoint/2010/main" val="235917434"/>
+        <p14:creationId xmlns:p14="http://schemas.microsoft.com/office/powerpoint/2010/main" val="2676210349"/>
       </p:ext>
     </p:extLst>
   </p:cSld>
@@ -707,7 +713,7 @@
             <a:pPr lvl="0"/>
             <a:r>
               <a:rPr lang="ko-KR" altLang="en-US" smtClean="0"/>
-              <a:t>마스터 텍스트 스타일 편집</a:t>
+              <a:t>마스터 텍스트 스타일을 편집합니다</a:t>
             </a:r>
           </a:p>
           <a:p>
@@ -758,7 +764,7 @@
           <a:p>
             <a:fld id="{49ABB9C4-C555-490E-9DA6-619326A1103B}" type="datetimeFigureOut">
               <a:rPr lang="ko-KR" altLang="en-US" smtClean="0"/>
-              <a:t>2022-01-26</a:t>
+              <a:t>2022-01-27</a:t>
             </a:fld>
             <a:endParaRPr lang="ko-KR" altLang="en-US"/>
           </a:p>
@@ -809,7 +815,7 @@
     </p:spTree>
     <p:extLst>
       <p:ext uri="{BB962C8B-B14F-4D97-AF65-F5344CB8AC3E}">
-        <p14:creationId xmlns:p14="http://schemas.microsoft.com/office/powerpoint/2010/main" val="1303230232"/>
+        <p14:creationId xmlns:p14="http://schemas.microsoft.com/office/powerpoint/2010/main" val="2157272769"/>
       </p:ext>
     </p:extLst>
   </p:cSld>
@@ -848,15 +854,15 @@
         </p:nvSpPr>
         <p:spPr>
           <a:xfrm>
-            <a:off x="2599531" y="1899709"/>
-            <a:ext cx="32861250" cy="3169708"/>
+            <a:off x="2599531" y="2564608"/>
+            <a:ext cx="32861250" cy="4279106"/>
           </a:xfrm>
         </p:spPr>
         <p:txBody>
           <a:bodyPr anchor="b"/>
           <a:lstStyle>
             <a:lvl1pPr>
-              <a:defRPr sz="6667"/>
+              <a:defRPr sz="9000"/>
             </a:lvl1pPr>
           </a:lstStyle>
           <a:p>
@@ -880,8 +886,8 @@
         </p:nvSpPr>
         <p:spPr>
           <a:xfrm>
-            <a:off x="2599531" y="5099404"/>
-            <a:ext cx="32861250" cy="1666874"/>
+            <a:off x="2599531" y="6884195"/>
+            <a:ext cx="32861250" cy="2250281"/>
           </a:xfrm>
         </p:spPr>
         <p:txBody>
@@ -889,7 +895,7 @@
           <a:lstStyle>
             <a:lvl1pPr marL="0" indent="0">
               <a:buNone/>
-              <a:defRPr sz="2667">
+              <a:defRPr sz="3600">
                 <a:solidFill>
                   <a:schemeClr val="tx1">
                     <a:tint val="75000"/>
@@ -897,9 +903,9 @@
                 </a:solidFill>
               </a:defRPr>
             </a:lvl1pPr>
-            <a:lvl2pPr marL="507995" indent="0">
-              <a:buNone/>
-              <a:defRPr sz="2222">
+            <a:lvl2pPr marL="685800" indent="0">
+              <a:buNone/>
+              <a:defRPr sz="3000">
                 <a:solidFill>
                   <a:schemeClr val="tx1">
                     <a:tint val="75000"/>
@@ -907,9 +913,9 @@
                 </a:solidFill>
               </a:defRPr>
             </a:lvl2pPr>
-            <a:lvl3pPr marL="1015990" indent="0">
-              <a:buNone/>
-              <a:defRPr sz="2000">
+            <a:lvl3pPr marL="1371600" indent="0">
+              <a:buNone/>
+              <a:defRPr sz="2700">
                 <a:solidFill>
                   <a:schemeClr val="tx1">
                     <a:tint val="75000"/>
@@ -917,9 +923,9 @@
                 </a:solidFill>
               </a:defRPr>
             </a:lvl3pPr>
-            <a:lvl4pPr marL="1523985" indent="0">
-              <a:buNone/>
-              <a:defRPr sz="1778">
+            <a:lvl4pPr marL="2057400" indent="0">
+              <a:buNone/>
+              <a:defRPr sz="2400">
                 <a:solidFill>
                   <a:schemeClr val="tx1">
                     <a:tint val="75000"/>
@@ -927,9 +933,9 @@
                 </a:solidFill>
               </a:defRPr>
             </a:lvl4pPr>
-            <a:lvl5pPr marL="2031980" indent="0">
-              <a:buNone/>
-              <a:defRPr sz="1778">
+            <a:lvl5pPr marL="2743200" indent="0">
+              <a:buNone/>
+              <a:defRPr sz="2400">
                 <a:solidFill>
                   <a:schemeClr val="tx1">
                     <a:tint val="75000"/>
@@ -937,9 +943,9 @@
                 </a:solidFill>
               </a:defRPr>
             </a:lvl5pPr>
-            <a:lvl6pPr marL="2539975" indent="0">
-              <a:buNone/>
-              <a:defRPr sz="1778">
+            <a:lvl6pPr marL="3429000" indent="0">
+              <a:buNone/>
+              <a:defRPr sz="2400">
                 <a:solidFill>
                   <a:schemeClr val="tx1">
                     <a:tint val="75000"/>
@@ -947,9 +953,9 @@
                 </a:solidFill>
               </a:defRPr>
             </a:lvl6pPr>
-            <a:lvl7pPr marL="3047970" indent="0">
-              <a:buNone/>
-              <a:defRPr sz="1778">
+            <a:lvl7pPr marL="4114800" indent="0">
+              <a:buNone/>
+              <a:defRPr sz="2400">
                 <a:solidFill>
                   <a:schemeClr val="tx1">
                     <a:tint val="75000"/>
@@ -957,9 +963,9 @@
                 </a:solidFill>
               </a:defRPr>
             </a:lvl7pPr>
-            <a:lvl8pPr marL="3555964" indent="0">
-              <a:buNone/>
-              <a:defRPr sz="1778">
+            <a:lvl8pPr marL="4800600" indent="0">
+              <a:buNone/>
+              <a:defRPr sz="2400">
                 <a:solidFill>
                   <a:schemeClr val="tx1">
                     <a:tint val="75000"/>
@@ -967,9 +973,9 @@
                 </a:solidFill>
               </a:defRPr>
             </a:lvl8pPr>
-            <a:lvl9pPr marL="4063959" indent="0">
-              <a:buNone/>
-              <a:defRPr sz="1778">
+            <a:lvl9pPr marL="5486400" indent="0">
+              <a:buNone/>
+              <a:defRPr sz="2400">
                 <a:solidFill>
                   <a:schemeClr val="tx1">
                     <a:tint val="75000"/>
@@ -982,7 +988,7 @@
             <a:pPr lvl="0"/>
             <a:r>
               <a:rPr lang="ko-KR" altLang="en-US" smtClean="0"/>
-              <a:t>마스터 텍스트 스타일 편집</a:t>
+              <a:t>마스터 텍스트 스타일을 편집합니다</a:t>
             </a:r>
           </a:p>
         </p:txBody>
@@ -1004,7 +1010,7 @@
           <a:p>
             <a:fld id="{49ABB9C4-C555-490E-9DA6-619326A1103B}" type="datetimeFigureOut">
               <a:rPr lang="ko-KR" altLang="en-US" smtClean="0"/>
-              <a:t>2022-01-26</a:t>
+              <a:t>2022-01-27</a:t>
             </a:fld>
             <a:endParaRPr lang="ko-KR" altLang="en-US"/>
           </a:p>
@@ -1055,7 +1061,7 @@
     </p:spTree>
     <p:extLst>
       <p:ext uri="{BB962C8B-B14F-4D97-AF65-F5344CB8AC3E}">
-        <p14:creationId xmlns:p14="http://schemas.microsoft.com/office/powerpoint/2010/main" val="828946422"/>
+        <p14:creationId xmlns:p14="http://schemas.microsoft.com/office/powerpoint/2010/main" val="3215897598"/>
       </p:ext>
     </p:extLst>
   </p:cSld>
@@ -1117,8 +1123,8 @@
         </p:nvSpPr>
         <p:spPr>
           <a:xfrm>
-            <a:off x="2619375" y="2028472"/>
-            <a:ext cx="16192500" cy="4834820"/>
+            <a:off x="2619375" y="2738438"/>
+            <a:ext cx="16192500" cy="6527007"/>
           </a:xfrm>
         </p:spPr>
         <p:txBody>
@@ -1128,7 +1134,7 @@
             <a:pPr lvl="0"/>
             <a:r>
               <a:rPr lang="ko-KR" altLang="en-US" smtClean="0"/>
-              <a:t>마스터 텍스트 스타일 편집</a:t>
+              <a:t>마스터 텍스트 스타일을 편집합니다</a:t>
             </a:r>
           </a:p>
           <a:p>
@@ -1174,8 +1180,8 @@
         </p:nvSpPr>
         <p:spPr>
           <a:xfrm>
-            <a:off x="19288125" y="2028472"/>
-            <a:ext cx="16192500" cy="4834820"/>
+            <a:off x="19288125" y="2738438"/>
+            <a:ext cx="16192500" cy="6527007"/>
           </a:xfrm>
         </p:spPr>
         <p:txBody>
@@ -1185,7 +1191,7 @@
             <a:pPr lvl="0"/>
             <a:r>
               <a:rPr lang="ko-KR" altLang="en-US" smtClean="0"/>
-              <a:t>마스터 텍스트 스타일 편집</a:t>
+              <a:t>마스터 텍스트 스타일을 편집합니다</a:t>
             </a:r>
           </a:p>
           <a:p>
@@ -1236,7 +1242,7 @@
           <a:p>
             <a:fld id="{49ABB9C4-C555-490E-9DA6-619326A1103B}" type="datetimeFigureOut">
               <a:rPr lang="ko-KR" altLang="en-US" smtClean="0"/>
-              <a:t>2022-01-26</a:t>
+              <a:t>2022-01-27</a:t>
             </a:fld>
             <a:endParaRPr lang="ko-KR" altLang="en-US"/>
           </a:p>
@@ -1287,7 +1293,7 @@
     </p:spTree>
     <p:extLst>
       <p:ext uri="{BB962C8B-B14F-4D97-AF65-F5344CB8AC3E}">
-        <p14:creationId xmlns:p14="http://schemas.microsoft.com/office/powerpoint/2010/main" val="1615747031"/>
+        <p14:creationId xmlns:p14="http://schemas.microsoft.com/office/powerpoint/2010/main" val="764176906"/>
       </p:ext>
     </p:extLst>
   </p:cSld>
@@ -1326,8 +1332,8 @@
         </p:nvSpPr>
         <p:spPr>
           <a:xfrm>
-            <a:off x="2624338" y="405695"/>
-            <a:ext cx="32861250" cy="1472848"/>
+            <a:off x="2624338" y="547688"/>
+            <a:ext cx="32861250" cy="1988345"/>
           </a:xfrm>
         </p:spPr>
         <p:txBody>
@@ -1354,8 +1360,8 @@
         </p:nvSpPr>
         <p:spPr>
           <a:xfrm>
-            <a:off x="2624339" y="1867959"/>
-            <a:ext cx="16118084" cy="915458"/>
+            <a:off x="2624339" y="2521745"/>
+            <a:ext cx="16118084" cy="1235868"/>
           </a:xfrm>
         </p:spPr>
         <p:txBody>
@@ -1363,46 +1369,46 @@
           <a:lstStyle>
             <a:lvl1pPr marL="0" indent="0">
               <a:buNone/>
-              <a:defRPr sz="2667" b="1"/>
+              <a:defRPr sz="3600" b="1"/>
             </a:lvl1pPr>
-            <a:lvl2pPr marL="507995" indent="0">
-              <a:buNone/>
-              <a:defRPr sz="2222" b="1"/>
+            <a:lvl2pPr marL="685800" indent="0">
+              <a:buNone/>
+              <a:defRPr sz="3000" b="1"/>
             </a:lvl2pPr>
-            <a:lvl3pPr marL="1015990" indent="0">
-              <a:buNone/>
-              <a:defRPr sz="2000" b="1"/>
+            <a:lvl3pPr marL="1371600" indent="0">
+              <a:buNone/>
+              <a:defRPr sz="2700" b="1"/>
             </a:lvl3pPr>
-            <a:lvl4pPr marL="1523985" indent="0">
-              <a:buNone/>
-              <a:defRPr sz="1778" b="1"/>
+            <a:lvl4pPr marL="2057400" indent="0">
+              <a:buNone/>
+              <a:defRPr sz="2400" b="1"/>
             </a:lvl4pPr>
-            <a:lvl5pPr marL="2031980" indent="0">
-              <a:buNone/>
-              <a:defRPr sz="1778" b="1"/>
+            <a:lvl5pPr marL="2743200" indent="0">
+              <a:buNone/>
+              <a:defRPr sz="2400" b="1"/>
             </a:lvl5pPr>
-            <a:lvl6pPr marL="2539975" indent="0">
-              <a:buNone/>
-              <a:defRPr sz="1778" b="1"/>
+            <a:lvl6pPr marL="3429000" indent="0">
+              <a:buNone/>
+              <a:defRPr sz="2400" b="1"/>
             </a:lvl6pPr>
-            <a:lvl7pPr marL="3047970" indent="0">
-              <a:buNone/>
-              <a:defRPr sz="1778" b="1"/>
+            <a:lvl7pPr marL="4114800" indent="0">
+              <a:buNone/>
+              <a:defRPr sz="2400" b="1"/>
             </a:lvl7pPr>
-            <a:lvl8pPr marL="3555964" indent="0">
-              <a:buNone/>
-              <a:defRPr sz="1778" b="1"/>
+            <a:lvl8pPr marL="4800600" indent="0">
+              <a:buNone/>
+              <a:defRPr sz="2400" b="1"/>
             </a:lvl8pPr>
-            <a:lvl9pPr marL="4063959" indent="0">
-              <a:buNone/>
-              <a:defRPr sz="1778" b="1"/>
+            <a:lvl9pPr marL="5486400" indent="0">
+              <a:buNone/>
+              <a:defRPr sz="2400" b="1"/>
             </a:lvl9pPr>
           </a:lstStyle>
           <a:p>
             <a:pPr lvl="0"/>
             <a:r>
               <a:rPr lang="ko-KR" altLang="en-US" smtClean="0"/>
-              <a:t>마스터 텍스트 스타일 편집</a:t>
+              <a:t>마스터 텍스트 스타일을 편집합니다</a:t>
             </a:r>
           </a:p>
         </p:txBody>
@@ -1419,8 +1425,8 @@
         </p:nvSpPr>
         <p:spPr>
           <a:xfrm>
-            <a:off x="2624339" y="2783417"/>
-            <a:ext cx="16118084" cy="4093987"/>
+            <a:off x="2624339" y="3757613"/>
+            <a:ext cx="16118084" cy="5526882"/>
           </a:xfrm>
         </p:spPr>
         <p:txBody>
@@ -1430,7 +1436,7 @@
             <a:pPr lvl="0"/>
             <a:r>
               <a:rPr lang="ko-KR" altLang="en-US" smtClean="0"/>
-              <a:t>마스터 텍스트 스타일 편집</a:t>
+              <a:t>마스터 텍스트 스타일을 편집합니다</a:t>
             </a:r>
           </a:p>
           <a:p>
@@ -1476,8 +1482,8 @@
         </p:nvSpPr>
         <p:spPr>
           <a:xfrm>
-            <a:off x="19288125" y="1867959"/>
-            <a:ext cx="16197463" cy="915458"/>
+            <a:off x="19288125" y="2521745"/>
+            <a:ext cx="16197463" cy="1235868"/>
           </a:xfrm>
         </p:spPr>
         <p:txBody>
@@ -1485,46 +1491,46 @@
           <a:lstStyle>
             <a:lvl1pPr marL="0" indent="0">
               <a:buNone/>
-              <a:defRPr sz="2667" b="1"/>
+              <a:defRPr sz="3600" b="1"/>
             </a:lvl1pPr>
-            <a:lvl2pPr marL="507995" indent="0">
-              <a:buNone/>
-              <a:defRPr sz="2222" b="1"/>
+            <a:lvl2pPr marL="685800" indent="0">
+              <a:buNone/>
+              <a:defRPr sz="3000" b="1"/>
             </a:lvl2pPr>
-            <a:lvl3pPr marL="1015990" indent="0">
-              <a:buNone/>
-              <a:defRPr sz="2000" b="1"/>
+            <a:lvl3pPr marL="1371600" indent="0">
+              <a:buNone/>
+              <a:defRPr sz="2700" b="1"/>
             </a:lvl3pPr>
-            <a:lvl4pPr marL="1523985" indent="0">
-              <a:buNone/>
-              <a:defRPr sz="1778" b="1"/>
+            <a:lvl4pPr marL="2057400" indent="0">
+              <a:buNone/>
+              <a:defRPr sz="2400" b="1"/>
             </a:lvl4pPr>
-            <a:lvl5pPr marL="2031980" indent="0">
-              <a:buNone/>
-              <a:defRPr sz="1778" b="1"/>
+            <a:lvl5pPr marL="2743200" indent="0">
+              <a:buNone/>
+              <a:defRPr sz="2400" b="1"/>
             </a:lvl5pPr>
-            <a:lvl6pPr marL="2539975" indent="0">
-              <a:buNone/>
-              <a:defRPr sz="1778" b="1"/>
+            <a:lvl6pPr marL="3429000" indent="0">
+              <a:buNone/>
+              <a:defRPr sz="2400" b="1"/>
             </a:lvl6pPr>
-            <a:lvl7pPr marL="3047970" indent="0">
-              <a:buNone/>
-              <a:defRPr sz="1778" b="1"/>
+            <a:lvl7pPr marL="4114800" indent="0">
+              <a:buNone/>
+              <a:defRPr sz="2400" b="1"/>
             </a:lvl7pPr>
-            <a:lvl8pPr marL="3555964" indent="0">
-              <a:buNone/>
-              <a:defRPr sz="1778" b="1"/>
+            <a:lvl8pPr marL="4800600" indent="0">
+              <a:buNone/>
+              <a:defRPr sz="2400" b="1"/>
             </a:lvl8pPr>
-            <a:lvl9pPr marL="4063959" indent="0">
-              <a:buNone/>
-              <a:defRPr sz="1778" b="1"/>
+            <a:lvl9pPr marL="5486400" indent="0">
+              <a:buNone/>
+              <a:defRPr sz="2400" b="1"/>
             </a:lvl9pPr>
           </a:lstStyle>
           <a:p>
             <a:pPr lvl="0"/>
             <a:r>
               <a:rPr lang="ko-KR" altLang="en-US" smtClean="0"/>
-              <a:t>마스터 텍스트 스타일 편집</a:t>
+              <a:t>마스터 텍스트 스타일을 편집합니다</a:t>
             </a:r>
           </a:p>
         </p:txBody>
@@ -1541,8 +1547,8 @@
         </p:nvSpPr>
         <p:spPr>
           <a:xfrm>
-            <a:off x="19288125" y="2783417"/>
-            <a:ext cx="16197463" cy="4093987"/>
+            <a:off x="19288125" y="3757613"/>
+            <a:ext cx="16197463" cy="5526882"/>
           </a:xfrm>
         </p:spPr>
         <p:txBody>
@@ -1552,7 +1558,7 @@
             <a:pPr lvl="0"/>
             <a:r>
               <a:rPr lang="ko-KR" altLang="en-US" smtClean="0"/>
-              <a:t>마스터 텍스트 스타일 편집</a:t>
+              <a:t>마스터 텍스트 스타일을 편집합니다</a:t>
             </a:r>
           </a:p>
           <a:p>
@@ -1603,7 +1609,7 @@
           <a:p>
             <a:fld id="{49ABB9C4-C555-490E-9DA6-619326A1103B}" type="datetimeFigureOut">
               <a:rPr lang="ko-KR" altLang="en-US" smtClean="0"/>
-              <a:t>2022-01-26</a:t>
+              <a:t>2022-01-27</a:t>
             </a:fld>
             <a:endParaRPr lang="ko-KR" altLang="en-US"/>
           </a:p>
@@ -1654,7 +1660,7 @@
     </p:spTree>
     <p:extLst>
       <p:ext uri="{BB962C8B-B14F-4D97-AF65-F5344CB8AC3E}">
-        <p14:creationId xmlns:p14="http://schemas.microsoft.com/office/powerpoint/2010/main" val="3672241579"/>
+        <p14:creationId xmlns:p14="http://schemas.microsoft.com/office/powerpoint/2010/main" val="308032836"/>
       </p:ext>
     </p:extLst>
   </p:cSld>
@@ -1721,7 +1727,7 @@
           <a:p>
             <a:fld id="{49ABB9C4-C555-490E-9DA6-619326A1103B}" type="datetimeFigureOut">
               <a:rPr lang="ko-KR" altLang="en-US" smtClean="0"/>
-              <a:t>2022-01-26</a:t>
+              <a:t>2022-01-27</a:t>
             </a:fld>
             <a:endParaRPr lang="ko-KR" altLang="en-US"/>
           </a:p>
@@ -1772,7 +1778,7 @@
     </p:spTree>
     <p:extLst>
       <p:ext uri="{BB962C8B-B14F-4D97-AF65-F5344CB8AC3E}">
-        <p14:creationId xmlns:p14="http://schemas.microsoft.com/office/powerpoint/2010/main" val="1819121362"/>
+        <p14:creationId xmlns:p14="http://schemas.microsoft.com/office/powerpoint/2010/main" val="1700536255"/>
       </p:ext>
     </p:extLst>
   </p:cSld>
@@ -1816,7 +1822,7 @@
           <a:p>
             <a:fld id="{49ABB9C4-C555-490E-9DA6-619326A1103B}" type="datetimeFigureOut">
               <a:rPr lang="ko-KR" altLang="en-US" smtClean="0"/>
-              <a:t>2022-01-26</a:t>
+              <a:t>2022-01-27</a:t>
             </a:fld>
             <a:endParaRPr lang="ko-KR" altLang="en-US"/>
           </a:p>
@@ -1867,7 +1873,7 @@
     </p:spTree>
     <p:extLst>
       <p:ext uri="{BB962C8B-B14F-4D97-AF65-F5344CB8AC3E}">
-        <p14:creationId xmlns:p14="http://schemas.microsoft.com/office/powerpoint/2010/main" val="804005121"/>
+        <p14:creationId xmlns:p14="http://schemas.microsoft.com/office/powerpoint/2010/main" val="2486625396"/>
       </p:ext>
     </p:extLst>
   </p:cSld>
@@ -1906,15 +1912,15 @@
         </p:nvSpPr>
         <p:spPr>
           <a:xfrm>
-            <a:off x="2624339" y="508000"/>
-            <a:ext cx="12288241" cy="1778000"/>
+            <a:off x="2624339" y="685800"/>
+            <a:ext cx="12288241" cy="2400300"/>
           </a:xfrm>
         </p:spPr>
         <p:txBody>
           <a:bodyPr anchor="b"/>
           <a:lstStyle>
             <a:lvl1pPr>
-              <a:defRPr sz="3556"/>
+              <a:defRPr sz="4800"/>
             </a:lvl1pPr>
           </a:lstStyle>
           <a:p>
@@ -1938,46 +1944,46 @@
         </p:nvSpPr>
         <p:spPr>
           <a:xfrm>
-            <a:off x="16197462" y="1097139"/>
-            <a:ext cx="19288125" cy="5415139"/>
+            <a:off x="16197462" y="1481138"/>
+            <a:ext cx="19288125" cy="7310438"/>
           </a:xfrm>
         </p:spPr>
         <p:txBody>
           <a:bodyPr/>
           <a:lstStyle>
             <a:lvl1pPr>
-              <a:defRPr sz="3556"/>
+              <a:defRPr sz="4800"/>
             </a:lvl1pPr>
             <a:lvl2pPr>
-              <a:defRPr sz="3111"/>
+              <a:defRPr sz="4200"/>
             </a:lvl2pPr>
             <a:lvl3pPr>
-              <a:defRPr sz="2667"/>
+              <a:defRPr sz="3600"/>
             </a:lvl3pPr>
             <a:lvl4pPr>
-              <a:defRPr sz="2222"/>
+              <a:defRPr sz="3000"/>
             </a:lvl4pPr>
             <a:lvl5pPr>
-              <a:defRPr sz="2222"/>
+              <a:defRPr sz="3000"/>
             </a:lvl5pPr>
             <a:lvl6pPr>
-              <a:defRPr sz="2222"/>
+              <a:defRPr sz="3000"/>
             </a:lvl6pPr>
             <a:lvl7pPr>
-              <a:defRPr sz="2222"/>
+              <a:defRPr sz="3000"/>
             </a:lvl7pPr>
             <a:lvl8pPr>
-              <a:defRPr sz="2222"/>
+              <a:defRPr sz="3000"/>
             </a:lvl8pPr>
             <a:lvl9pPr>
-              <a:defRPr sz="2222"/>
+              <a:defRPr sz="3000"/>
             </a:lvl9pPr>
           </a:lstStyle>
           <a:p>
             <a:pPr lvl="0"/>
             <a:r>
               <a:rPr lang="ko-KR" altLang="en-US" smtClean="0"/>
-              <a:t>마스터 텍스트 스타일 편집</a:t>
+              <a:t>마스터 텍스트 스타일을 편집합니다</a:t>
             </a:r>
           </a:p>
           <a:p>
@@ -2023,8 +2029,8 @@
         </p:nvSpPr>
         <p:spPr>
           <a:xfrm>
-            <a:off x="2624339" y="2286000"/>
-            <a:ext cx="12288241" cy="4235098"/>
+            <a:off x="2624339" y="3086100"/>
+            <a:ext cx="12288241" cy="5717382"/>
           </a:xfrm>
         </p:spPr>
         <p:txBody>
@@ -2032,46 +2038,46 @@
           <a:lstStyle>
             <a:lvl1pPr marL="0" indent="0">
               <a:buNone/>
-              <a:defRPr sz="1778"/>
+              <a:defRPr sz="2400"/>
             </a:lvl1pPr>
-            <a:lvl2pPr marL="507995" indent="0">
-              <a:buNone/>
-              <a:defRPr sz="1556"/>
+            <a:lvl2pPr marL="685800" indent="0">
+              <a:buNone/>
+              <a:defRPr sz="2100"/>
             </a:lvl2pPr>
-            <a:lvl3pPr marL="1015990" indent="0">
-              <a:buNone/>
-              <a:defRPr sz="1333"/>
+            <a:lvl3pPr marL="1371600" indent="0">
+              <a:buNone/>
+              <a:defRPr sz="1800"/>
             </a:lvl3pPr>
-            <a:lvl4pPr marL="1523985" indent="0">
-              <a:buNone/>
-              <a:defRPr sz="1111"/>
+            <a:lvl4pPr marL="2057400" indent="0">
+              <a:buNone/>
+              <a:defRPr sz="1500"/>
             </a:lvl4pPr>
-            <a:lvl5pPr marL="2031980" indent="0">
-              <a:buNone/>
-              <a:defRPr sz="1111"/>
+            <a:lvl5pPr marL="2743200" indent="0">
+              <a:buNone/>
+              <a:defRPr sz="1500"/>
             </a:lvl5pPr>
-            <a:lvl6pPr marL="2539975" indent="0">
-              <a:buNone/>
-              <a:defRPr sz="1111"/>
+            <a:lvl6pPr marL="3429000" indent="0">
+              <a:buNone/>
+              <a:defRPr sz="1500"/>
             </a:lvl6pPr>
-            <a:lvl7pPr marL="3047970" indent="0">
-              <a:buNone/>
-              <a:defRPr sz="1111"/>
+            <a:lvl7pPr marL="4114800" indent="0">
+              <a:buNone/>
+              <a:defRPr sz="1500"/>
             </a:lvl7pPr>
-            <a:lvl8pPr marL="3555964" indent="0">
-              <a:buNone/>
-              <a:defRPr sz="1111"/>
+            <a:lvl8pPr marL="4800600" indent="0">
+              <a:buNone/>
+              <a:defRPr sz="1500"/>
             </a:lvl8pPr>
-            <a:lvl9pPr marL="4063959" indent="0">
-              <a:buNone/>
-              <a:defRPr sz="1111"/>
+            <a:lvl9pPr marL="5486400" indent="0">
+              <a:buNone/>
+              <a:defRPr sz="1500"/>
             </a:lvl9pPr>
           </a:lstStyle>
           <a:p>
             <a:pPr lvl="0"/>
             <a:r>
               <a:rPr lang="ko-KR" altLang="en-US" smtClean="0"/>
-              <a:t>마스터 텍스트 스타일 편집</a:t>
+              <a:t>마스터 텍스트 스타일을 편집합니다</a:t>
             </a:r>
           </a:p>
         </p:txBody>
@@ -2093,7 +2099,7 @@
           <a:p>
             <a:fld id="{49ABB9C4-C555-490E-9DA6-619326A1103B}" type="datetimeFigureOut">
               <a:rPr lang="ko-KR" altLang="en-US" smtClean="0"/>
-              <a:t>2022-01-26</a:t>
+              <a:t>2022-01-27</a:t>
             </a:fld>
             <a:endParaRPr lang="ko-KR" altLang="en-US"/>
           </a:p>
@@ -2144,7 +2150,7 @@
     </p:spTree>
     <p:extLst>
       <p:ext uri="{BB962C8B-B14F-4D97-AF65-F5344CB8AC3E}">
-        <p14:creationId xmlns:p14="http://schemas.microsoft.com/office/powerpoint/2010/main" val="3229989515"/>
+        <p14:creationId xmlns:p14="http://schemas.microsoft.com/office/powerpoint/2010/main" val="2304365113"/>
       </p:ext>
     </p:extLst>
   </p:cSld>
@@ -2183,15 +2189,15 @@
         </p:nvSpPr>
         <p:spPr>
           <a:xfrm>
-            <a:off x="2624339" y="508000"/>
-            <a:ext cx="12288241" cy="1778000"/>
+            <a:off x="2624339" y="685800"/>
+            <a:ext cx="12288241" cy="2400300"/>
           </a:xfrm>
         </p:spPr>
         <p:txBody>
           <a:bodyPr anchor="b"/>
           <a:lstStyle>
             <a:lvl1pPr>
-              <a:defRPr sz="3556"/>
+              <a:defRPr sz="4800"/>
             </a:lvl1pPr>
           </a:lstStyle>
           <a:p>
@@ -2215,8 +2221,8 @@
         </p:nvSpPr>
         <p:spPr>
           <a:xfrm>
-            <a:off x="16197462" y="1097139"/>
-            <a:ext cx="19288125" cy="5415139"/>
+            <a:off x="16197462" y="1481138"/>
+            <a:ext cx="19288125" cy="7310438"/>
           </a:xfrm>
         </p:spPr>
         <p:txBody>
@@ -2224,39 +2230,39 @@
           <a:lstStyle>
             <a:lvl1pPr marL="0" indent="0">
               <a:buNone/>
-              <a:defRPr sz="3556"/>
+              <a:defRPr sz="4800"/>
             </a:lvl1pPr>
-            <a:lvl2pPr marL="507995" indent="0">
-              <a:buNone/>
-              <a:defRPr sz="3111"/>
+            <a:lvl2pPr marL="685800" indent="0">
+              <a:buNone/>
+              <a:defRPr sz="4200"/>
             </a:lvl2pPr>
-            <a:lvl3pPr marL="1015990" indent="0">
-              <a:buNone/>
-              <a:defRPr sz="2667"/>
+            <a:lvl3pPr marL="1371600" indent="0">
+              <a:buNone/>
+              <a:defRPr sz="3600"/>
             </a:lvl3pPr>
-            <a:lvl4pPr marL="1523985" indent="0">
-              <a:buNone/>
-              <a:defRPr sz="2222"/>
+            <a:lvl4pPr marL="2057400" indent="0">
+              <a:buNone/>
+              <a:defRPr sz="3000"/>
             </a:lvl4pPr>
-            <a:lvl5pPr marL="2031980" indent="0">
-              <a:buNone/>
-              <a:defRPr sz="2222"/>
+            <a:lvl5pPr marL="2743200" indent="0">
+              <a:buNone/>
+              <a:defRPr sz="3000"/>
             </a:lvl5pPr>
-            <a:lvl6pPr marL="2539975" indent="0">
-              <a:buNone/>
-              <a:defRPr sz="2222"/>
+            <a:lvl6pPr marL="3429000" indent="0">
+              <a:buNone/>
+              <a:defRPr sz="3000"/>
             </a:lvl6pPr>
-            <a:lvl7pPr marL="3047970" indent="0">
-              <a:buNone/>
-              <a:defRPr sz="2222"/>
+            <a:lvl7pPr marL="4114800" indent="0">
+              <a:buNone/>
+              <a:defRPr sz="3000"/>
             </a:lvl7pPr>
-            <a:lvl8pPr marL="3555964" indent="0">
-              <a:buNone/>
-              <a:defRPr sz="2222"/>
+            <a:lvl8pPr marL="4800600" indent="0">
+              <a:buNone/>
+              <a:defRPr sz="3000"/>
             </a:lvl8pPr>
-            <a:lvl9pPr marL="4063959" indent="0">
-              <a:buNone/>
-              <a:defRPr sz="2222"/>
+            <a:lvl9pPr marL="5486400" indent="0">
+              <a:buNone/>
+              <a:defRPr sz="3000"/>
             </a:lvl9pPr>
           </a:lstStyle>
           <a:p>
@@ -2280,8 +2286,8 @@
         </p:nvSpPr>
         <p:spPr>
           <a:xfrm>
-            <a:off x="2624339" y="2286000"/>
-            <a:ext cx="12288241" cy="4235098"/>
+            <a:off x="2624339" y="3086100"/>
+            <a:ext cx="12288241" cy="5717382"/>
           </a:xfrm>
         </p:spPr>
         <p:txBody>
@@ -2289,46 +2295,46 @@
           <a:lstStyle>
             <a:lvl1pPr marL="0" indent="0">
               <a:buNone/>
-              <a:defRPr sz="1778"/>
+              <a:defRPr sz="2400"/>
             </a:lvl1pPr>
-            <a:lvl2pPr marL="507995" indent="0">
-              <a:buNone/>
-              <a:defRPr sz="1556"/>
+            <a:lvl2pPr marL="685800" indent="0">
+              <a:buNone/>
+              <a:defRPr sz="2100"/>
             </a:lvl2pPr>
-            <a:lvl3pPr marL="1015990" indent="0">
-              <a:buNone/>
-              <a:defRPr sz="1333"/>
+            <a:lvl3pPr marL="1371600" indent="0">
+              <a:buNone/>
+              <a:defRPr sz="1800"/>
             </a:lvl3pPr>
-            <a:lvl4pPr marL="1523985" indent="0">
-              <a:buNone/>
-              <a:defRPr sz="1111"/>
+            <a:lvl4pPr marL="2057400" indent="0">
+              <a:buNone/>
+              <a:defRPr sz="1500"/>
             </a:lvl4pPr>
-            <a:lvl5pPr marL="2031980" indent="0">
-              <a:buNone/>
-              <a:defRPr sz="1111"/>
+            <a:lvl5pPr marL="2743200" indent="0">
+              <a:buNone/>
+              <a:defRPr sz="1500"/>
             </a:lvl5pPr>
-            <a:lvl6pPr marL="2539975" indent="0">
-              <a:buNone/>
-              <a:defRPr sz="1111"/>
+            <a:lvl6pPr marL="3429000" indent="0">
+              <a:buNone/>
+              <a:defRPr sz="1500"/>
             </a:lvl6pPr>
-            <a:lvl7pPr marL="3047970" indent="0">
-              <a:buNone/>
-              <a:defRPr sz="1111"/>
+            <a:lvl7pPr marL="4114800" indent="0">
+              <a:buNone/>
+              <a:defRPr sz="1500"/>
             </a:lvl7pPr>
-            <a:lvl8pPr marL="3555964" indent="0">
-              <a:buNone/>
-              <a:defRPr sz="1111"/>
+            <a:lvl8pPr marL="4800600" indent="0">
+              <a:buNone/>
+              <a:defRPr sz="1500"/>
             </a:lvl8pPr>
-            <a:lvl9pPr marL="4063959" indent="0">
-              <a:buNone/>
-              <a:defRPr sz="1111"/>
+            <a:lvl9pPr marL="5486400" indent="0">
+              <a:buNone/>
+              <a:defRPr sz="1500"/>
             </a:lvl9pPr>
           </a:lstStyle>
           <a:p>
             <a:pPr lvl="0"/>
             <a:r>
               <a:rPr lang="ko-KR" altLang="en-US" smtClean="0"/>
-              <a:t>마스터 텍스트 스타일 편집</a:t>
+              <a:t>마스터 텍스트 스타일을 편집합니다</a:t>
             </a:r>
           </a:p>
         </p:txBody>
@@ -2350,7 +2356,7 @@
           <a:p>
             <a:fld id="{49ABB9C4-C555-490E-9DA6-619326A1103B}" type="datetimeFigureOut">
               <a:rPr lang="ko-KR" altLang="en-US" smtClean="0"/>
-              <a:t>2022-01-26</a:t>
+              <a:t>2022-01-27</a:t>
             </a:fld>
             <a:endParaRPr lang="ko-KR" altLang="en-US"/>
           </a:p>
@@ -2401,7 +2407,7 @@
     </p:spTree>
     <p:extLst>
       <p:ext uri="{BB962C8B-B14F-4D97-AF65-F5344CB8AC3E}">
-        <p14:creationId xmlns:p14="http://schemas.microsoft.com/office/powerpoint/2010/main" val="357328533"/>
+        <p14:creationId xmlns:p14="http://schemas.microsoft.com/office/powerpoint/2010/main" val="2501044864"/>
       </p:ext>
     </p:extLst>
   </p:cSld>
@@ -2445,8 +2451,8 @@
         </p:nvSpPr>
         <p:spPr>
           <a:xfrm>
-            <a:off x="2619375" y="405695"/>
-            <a:ext cx="32861250" cy="1472848"/>
+            <a:off x="2619375" y="547688"/>
+            <a:ext cx="32861250" cy="1988345"/>
           </a:xfrm>
           <a:prstGeom prst="rect">
             <a:avLst/>
@@ -2478,8 +2484,8 @@
         </p:nvSpPr>
         <p:spPr>
           <a:xfrm>
-            <a:off x="2619375" y="2028472"/>
-            <a:ext cx="32861250" cy="4834820"/>
+            <a:off x="2619375" y="2738438"/>
+            <a:ext cx="32861250" cy="6527007"/>
           </a:xfrm>
           <a:prstGeom prst="rect">
             <a:avLst/>
@@ -2494,7 +2500,7 @@
             <a:pPr lvl="0"/>
             <a:r>
               <a:rPr lang="ko-KR" altLang="en-US" smtClean="0"/>
-              <a:t>마스터 텍스트 스타일 편집</a:t>
+              <a:t>마스터 텍스트 스타일을 편집합니다</a:t>
             </a:r>
           </a:p>
           <a:p>
@@ -2540,8 +2546,8 @@
         </p:nvSpPr>
         <p:spPr>
           <a:xfrm>
-            <a:off x="2619375" y="7062612"/>
-            <a:ext cx="8572500" cy="405694"/>
+            <a:off x="2619375" y="9534526"/>
+            <a:ext cx="8572500" cy="547688"/>
           </a:xfrm>
           <a:prstGeom prst="rect">
             <a:avLst/>
@@ -2551,7 +2557,7 @@
           <a:bodyPr vert="horz" lIns="91440" tIns="45720" rIns="91440" bIns="45720" rtlCol="0" anchor="ctr"/>
           <a:lstStyle>
             <a:lvl1pPr algn="l">
-              <a:defRPr sz="1333">
+              <a:defRPr sz="1800">
                 <a:solidFill>
                   <a:schemeClr val="tx1">
                     <a:tint val="75000"/>
@@ -2563,7 +2569,7 @@
           <a:p>
             <a:fld id="{49ABB9C4-C555-490E-9DA6-619326A1103B}" type="datetimeFigureOut">
               <a:rPr lang="ko-KR" altLang="en-US" smtClean="0"/>
-              <a:t>2022-01-26</a:t>
+              <a:t>2022-01-27</a:t>
             </a:fld>
             <a:endParaRPr lang="ko-KR" altLang="en-US"/>
           </a:p>
@@ -2581,8 +2587,8 @@
         </p:nvSpPr>
         <p:spPr>
           <a:xfrm>
-            <a:off x="12620625" y="7062612"/>
-            <a:ext cx="12858750" cy="405694"/>
+            <a:off x="12620625" y="9534526"/>
+            <a:ext cx="12858750" cy="547688"/>
           </a:xfrm>
           <a:prstGeom prst="rect">
             <a:avLst/>
@@ -2592,7 +2598,7 @@
           <a:bodyPr vert="horz" lIns="91440" tIns="45720" rIns="91440" bIns="45720" rtlCol="0" anchor="ctr"/>
           <a:lstStyle>
             <a:lvl1pPr algn="ctr">
-              <a:defRPr sz="1333">
+              <a:defRPr sz="1800">
                 <a:solidFill>
                   <a:schemeClr val="tx1">
                     <a:tint val="75000"/>
@@ -2618,8 +2624,8 @@
         </p:nvSpPr>
         <p:spPr>
           <a:xfrm>
-            <a:off x="26908125" y="7062612"/>
-            <a:ext cx="8572500" cy="405694"/>
+            <a:off x="26908125" y="9534526"/>
+            <a:ext cx="8572500" cy="547688"/>
           </a:xfrm>
           <a:prstGeom prst="rect">
             <a:avLst/>
@@ -2629,7 +2635,7 @@
           <a:bodyPr vert="horz" lIns="91440" tIns="45720" rIns="91440" bIns="45720" rtlCol="0" anchor="ctr"/>
           <a:lstStyle>
             <a:lvl1pPr algn="r">
-              <a:defRPr sz="1333">
+              <a:defRPr sz="1800">
                 <a:solidFill>
                   <a:schemeClr val="tx1">
                     <a:tint val="75000"/>
@@ -2650,27 +2656,27 @@
     </p:spTree>
     <p:extLst>
       <p:ext uri="{BB962C8B-B14F-4D97-AF65-F5344CB8AC3E}">
-        <p14:creationId xmlns:p14="http://schemas.microsoft.com/office/powerpoint/2010/main" val="3013136952"/>
+        <p14:creationId xmlns:p14="http://schemas.microsoft.com/office/powerpoint/2010/main" val="1476269313"/>
       </p:ext>
     </p:extLst>
   </p:cSld>
   <p:clrMap bg1="lt1" tx1="dk1" bg2="lt2" tx2="dk2" accent1="accent1" accent2="accent2" accent3="accent3" accent4="accent4" accent5="accent5" accent6="accent6" hlink="hlink" folHlink="folHlink"/>
   <p:sldLayoutIdLst>
-    <p:sldLayoutId id="2147483661" r:id="rId1"/>
-    <p:sldLayoutId id="2147483662" r:id="rId2"/>
-    <p:sldLayoutId id="2147483663" r:id="rId3"/>
-    <p:sldLayoutId id="2147483664" r:id="rId4"/>
-    <p:sldLayoutId id="2147483665" r:id="rId5"/>
-    <p:sldLayoutId id="2147483666" r:id="rId6"/>
-    <p:sldLayoutId id="2147483667" r:id="rId7"/>
-    <p:sldLayoutId id="2147483668" r:id="rId8"/>
-    <p:sldLayoutId id="2147483669" r:id="rId9"/>
-    <p:sldLayoutId id="2147483670" r:id="rId10"/>
-    <p:sldLayoutId id="2147483671" r:id="rId11"/>
+    <p:sldLayoutId id="2147483673" r:id="rId1"/>
+    <p:sldLayoutId id="2147483674" r:id="rId2"/>
+    <p:sldLayoutId id="2147483675" r:id="rId3"/>
+    <p:sldLayoutId id="2147483676" r:id="rId4"/>
+    <p:sldLayoutId id="2147483677" r:id="rId5"/>
+    <p:sldLayoutId id="2147483678" r:id="rId6"/>
+    <p:sldLayoutId id="2147483679" r:id="rId7"/>
+    <p:sldLayoutId id="2147483680" r:id="rId8"/>
+    <p:sldLayoutId id="2147483681" r:id="rId9"/>
+    <p:sldLayoutId id="2147483682" r:id="rId10"/>
+    <p:sldLayoutId id="2147483683" r:id="rId11"/>
   </p:sldLayoutIdLst>
   <p:txStyles>
     <p:titleStyle>
-      <a:lvl1pPr algn="l" defTabSz="1015990" rtl="0" eaLnBrk="1" latinLnBrk="1" hangingPunct="1">
+      <a:lvl1pPr algn="l" defTabSz="1371600" rtl="0" eaLnBrk="1" latinLnBrk="1" hangingPunct="1">
         <a:lnSpc>
           <a:spcPct val="90000"/>
         </a:lnSpc>
@@ -2678,7 +2684,7 @@
           <a:spcPct val="0"/>
         </a:spcBef>
         <a:buNone/>
-        <a:defRPr sz="4889" kern="1200">
+        <a:defRPr sz="6600" kern="1200">
           <a:solidFill>
             <a:schemeClr val="tx1"/>
           </a:solidFill>
@@ -2689,16 +2695,16 @@
       </a:lvl1pPr>
     </p:titleStyle>
     <p:bodyStyle>
-      <a:lvl1pPr marL="253997" indent="-253997" algn="l" defTabSz="1015990" rtl="0" eaLnBrk="1" latinLnBrk="1" hangingPunct="1">
+      <a:lvl1pPr marL="342900" indent="-342900" algn="l" defTabSz="1371600" rtl="0" eaLnBrk="1" latinLnBrk="1" hangingPunct="1">
         <a:lnSpc>
           <a:spcPct val="90000"/>
         </a:lnSpc>
         <a:spcBef>
-          <a:spcPts val="1111"/>
+          <a:spcPts val="1500"/>
         </a:spcBef>
         <a:buFont typeface="Arial" panose="020B0604020202020204" pitchFamily="34" charset="0"/>
         <a:buChar char="•"/>
-        <a:defRPr sz="3111" kern="1200">
+        <a:defRPr sz="4200" kern="1200">
           <a:solidFill>
             <a:schemeClr val="tx1"/>
           </a:solidFill>
@@ -2707,16 +2713,16 @@
           <a:cs typeface="+mn-cs"/>
         </a:defRPr>
       </a:lvl1pPr>
-      <a:lvl2pPr marL="761992" indent="-253997" algn="l" defTabSz="1015990" rtl="0" eaLnBrk="1" latinLnBrk="1" hangingPunct="1">
+      <a:lvl2pPr marL="1028700" indent="-342900" algn="l" defTabSz="1371600" rtl="0" eaLnBrk="1" latinLnBrk="1" hangingPunct="1">
         <a:lnSpc>
           <a:spcPct val="90000"/>
         </a:lnSpc>
         <a:spcBef>
-          <a:spcPts val="556"/>
+          <a:spcPts val="750"/>
         </a:spcBef>
         <a:buFont typeface="Arial" panose="020B0604020202020204" pitchFamily="34" charset="0"/>
         <a:buChar char="•"/>
-        <a:defRPr sz="2667" kern="1200">
+        <a:defRPr sz="3600" kern="1200">
           <a:solidFill>
             <a:schemeClr val="tx1"/>
           </a:solidFill>
@@ -2725,16 +2731,16 @@
           <a:cs typeface="+mn-cs"/>
         </a:defRPr>
       </a:lvl2pPr>
-      <a:lvl3pPr marL="1269987" indent="-253997" algn="l" defTabSz="1015990" rtl="0" eaLnBrk="1" latinLnBrk="1" hangingPunct="1">
+      <a:lvl3pPr marL="1714500" indent="-342900" algn="l" defTabSz="1371600" rtl="0" eaLnBrk="1" latinLnBrk="1" hangingPunct="1">
         <a:lnSpc>
           <a:spcPct val="90000"/>
         </a:lnSpc>
         <a:spcBef>
-          <a:spcPts val="556"/>
+          <a:spcPts val="750"/>
         </a:spcBef>
         <a:buFont typeface="Arial" panose="020B0604020202020204" pitchFamily="34" charset="0"/>
         <a:buChar char="•"/>
-        <a:defRPr sz="2222" kern="1200">
+        <a:defRPr sz="3000" kern="1200">
           <a:solidFill>
             <a:schemeClr val="tx1"/>
           </a:solidFill>
@@ -2743,16 +2749,16 @@
           <a:cs typeface="+mn-cs"/>
         </a:defRPr>
       </a:lvl3pPr>
-      <a:lvl4pPr marL="1777982" indent="-253997" algn="l" defTabSz="1015990" rtl="0" eaLnBrk="1" latinLnBrk="1" hangingPunct="1">
+      <a:lvl4pPr marL="2400300" indent="-342900" algn="l" defTabSz="1371600" rtl="0" eaLnBrk="1" latinLnBrk="1" hangingPunct="1">
         <a:lnSpc>
           <a:spcPct val="90000"/>
         </a:lnSpc>
         <a:spcBef>
-          <a:spcPts val="556"/>
+          <a:spcPts val="750"/>
         </a:spcBef>
         <a:buFont typeface="Arial" panose="020B0604020202020204" pitchFamily="34" charset="0"/>
         <a:buChar char="•"/>
-        <a:defRPr sz="2000" kern="1200">
+        <a:defRPr sz="2700" kern="1200">
           <a:solidFill>
             <a:schemeClr val="tx1"/>
           </a:solidFill>
@@ -2761,16 +2767,16 @@
           <a:cs typeface="+mn-cs"/>
         </a:defRPr>
       </a:lvl4pPr>
-      <a:lvl5pPr marL="2285977" indent="-253997" algn="l" defTabSz="1015990" rtl="0" eaLnBrk="1" latinLnBrk="1" hangingPunct="1">
+      <a:lvl5pPr marL="3086100" indent="-342900" algn="l" defTabSz="1371600" rtl="0" eaLnBrk="1" latinLnBrk="1" hangingPunct="1">
         <a:lnSpc>
           <a:spcPct val="90000"/>
         </a:lnSpc>
         <a:spcBef>
-          <a:spcPts val="556"/>
+          <a:spcPts val="750"/>
         </a:spcBef>
         <a:buFont typeface="Arial" panose="020B0604020202020204" pitchFamily="34" charset="0"/>
         <a:buChar char="•"/>
-        <a:defRPr sz="2000" kern="1200">
+        <a:defRPr sz="2700" kern="1200">
           <a:solidFill>
             <a:schemeClr val="tx1"/>
           </a:solidFill>
@@ -2779,16 +2785,16 @@
           <a:cs typeface="+mn-cs"/>
         </a:defRPr>
       </a:lvl5pPr>
-      <a:lvl6pPr marL="2793972" indent="-253997" algn="l" defTabSz="1015990" rtl="0" eaLnBrk="1" latinLnBrk="1" hangingPunct="1">
+      <a:lvl6pPr marL="3771900" indent="-342900" algn="l" defTabSz="1371600" rtl="0" eaLnBrk="1" latinLnBrk="1" hangingPunct="1">
         <a:lnSpc>
           <a:spcPct val="90000"/>
         </a:lnSpc>
         <a:spcBef>
-          <a:spcPts val="556"/>
+          <a:spcPts val="750"/>
         </a:spcBef>
         <a:buFont typeface="Arial" panose="020B0604020202020204" pitchFamily="34" charset="0"/>
         <a:buChar char="•"/>
-        <a:defRPr sz="2000" kern="1200">
+        <a:defRPr sz="2700" kern="1200">
           <a:solidFill>
             <a:schemeClr val="tx1"/>
           </a:solidFill>
@@ -2797,16 +2803,16 @@
           <a:cs typeface="+mn-cs"/>
         </a:defRPr>
       </a:lvl6pPr>
-      <a:lvl7pPr marL="3301967" indent="-253997" algn="l" defTabSz="1015990" rtl="0" eaLnBrk="1" latinLnBrk="1" hangingPunct="1">
+      <a:lvl7pPr marL="4457700" indent="-342900" algn="l" defTabSz="1371600" rtl="0" eaLnBrk="1" latinLnBrk="1" hangingPunct="1">
         <a:lnSpc>
           <a:spcPct val="90000"/>
         </a:lnSpc>
         <a:spcBef>
-          <a:spcPts val="556"/>
+          <a:spcPts val="750"/>
         </a:spcBef>
         <a:buFont typeface="Arial" panose="020B0604020202020204" pitchFamily="34" charset="0"/>
         <a:buChar char="•"/>
-        <a:defRPr sz="2000" kern="1200">
+        <a:defRPr sz="2700" kern="1200">
           <a:solidFill>
             <a:schemeClr val="tx1"/>
           </a:solidFill>
@@ -2815,16 +2821,16 @@
           <a:cs typeface="+mn-cs"/>
         </a:defRPr>
       </a:lvl7pPr>
-      <a:lvl8pPr marL="3809962" indent="-253997" algn="l" defTabSz="1015990" rtl="0" eaLnBrk="1" latinLnBrk="1" hangingPunct="1">
+      <a:lvl8pPr marL="5143500" indent="-342900" algn="l" defTabSz="1371600" rtl="0" eaLnBrk="1" latinLnBrk="1" hangingPunct="1">
         <a:lnSpc>
           <a:spcPct val="90000"/>
         </a:lnSpc>
         <a:spcBef>
-          <a:spcPts val="556"/>
+          <a:spcPts val="750"/>
         </a:spcBef>
         <a:buFont typeface="Arial" panose="020B0604020202020204" pitchFamily="34" charset="0"/>
         <a:buChar char="•"/>
-        <a:defRPr sz="2000" kern="1200">
+        <a:defRPr sz="2700" kern="1200">
           <a:solidFill>
             <a:schemeClr val="tx1"/>
           </a:solidFill>
@@ -2833,16 +2839,16 @@
           <a:cs typeface="+mn-cs"/>
         </a:defRPr>
       </a:lvl8pPr>
-      <a:lvl9pPr marL="4317957" indent="-253997" algn="l" defTabSz="1015990" rtl="0" eaLnBrk="1" latinLnBrk="1" hangingPunct="1">
+      <a:lvl9pPr marL="5829300" indent="-342900" algn="l" defTabSz="1371600" rtl="0" eaLnBrk="1" latinLnBrk="1" hangingPunct="1">
         <a:lnSpc>
           <a:spcPct val="90000"/>
         </a:lnSpc>
         <a:spcBef>
-          <a:spcPts val="556"/>
+          <a:spcPts val="750"/>
         </a:spcBef>
         <a:buFont typeface="Arial" panose="020B0604020202020204" pitchFamily="34" charset="0"/>
         <a:buChar char="•"/>
-        <a:defRPr sz="2000" kern="1200">
+        <a:defRPr sz="2700" kern="1200">
           <a:solidFill>
             <a:schemeClr val="tx1"/>
           </a:solidFill>
@@ -2856,8 +2862,8 @@
       <a:defPPr>
         <a:defRPr lang="en-US"/>
       </a:defPPr>
-      <a:lvl1pPr marL="0" algn="l" defTabSz="1015990" rtl="0" eaLnBrk="1" latinLnBrk="1" hangingPunct="1">
-        <a:defRPr sz="2000" kern="1200">
+      <a:lvl1pPr marL="0" algn="l" defTabSz="1371600" rtl="0" eaLnBrk="1" latinLnBrk="1" hangingPunct="1">
+        <a:defRPr sz="2700" kern="1200">
           <a:solidFill>
             <a:schemeClr val="tx1"/>
           </a:solidFill>
@@ -2866,8 +2872,8 @@
           <a:cs typeface="+mn-cs"/>
         </a:defRPr>
       </a:lvl1pPr>
-      <a:lvl2pPr marL="507995" algn="l" defTabSz="1015990" rtl="0" eaLnBrk="1" latinLnBrk="1" hangingPunct="1">
-        <a:defRPr sz="2000" kern="1200">
+      <a:lvl2pPr marL="685800" algn="l" defTabSz="1371600" rtl="0" eaLnBrk="1" latinLnBrk="1" hangingPunct="1">
+        <a:defRPr sz="2700" kern="1200">
           <a:solidFill>
             <a:schemeClr val="tx1"/>
           </a:solidFill>
@@ -2876,8 +2882,8 @@
           <a:cs typeface="+mn-cs"/>
         </a:defRPr>
       </a:lvl2pPr>
-      <a:lvl3pPr marL="1015990" algn="l" defTabSz="1015990" rtl="0" eaLnBrk="1" latinLnBrk="1" hangingPunct="1">
-        <a:defRPr sz="2000" kern="1200">
+      <a:lvl3pPr marL="1371600" algn="l" defTabSz="1371600" rtl="0" eaLnBrk="1" latinLnBrk="1" hangingPunct="1">
+        <a:defRPr sz="2700" kern="1200">
           <a:solidFill>
             <a:schemeClr val="tx1"/>
           </a:solidFill>
@@ -2886,8 +2892,8 @@
           <a:cs typeface="+mn-cs"/>
         </a:defRPr>
       </a:lvl3pPr>
-      <a:lvl4pPr marL="1523985" algn="l" defTabSz="1015990" rtl="0" eaLnBrk="1" latinLnBrk="1" hangingPunct="1">
-        <a:defRPr sz="2000" kern="1200">
+      <a:lvl4pPr marL="2057400" algn="l" defTabSz="1371600" rtl="0" eaLnBrk="1" latinLnBrk="1" hangingPunct="1">
+        <a:defRPr sz="2700" kern="1200">
           <a:solidFill>
             <a:schemeClr val="tx1"/>
           </a:solidFill>
@@ -2896,8 +2902,8 @@
           <a:cs typeface="+mn-cs"/>
         </a:defRPr>
       </a:lvl4pPr>
-      <a:lvl5pPr marL="2031980" algn="l" defTabSz="1015990" rtl="0" eaLnBrk="1" latinLnBrk="1" hangingPunct="1">
-        <a:defRPr sz="2000" kern="1200">
+      <a:lvl5pPr marL="2743200" algn="l" defTabSz="1371600" rtl="0" eaLnBrk="1" latinLnBrk="1" hangingPunct="1">
+        <a:defRPr sz="2700" kern="1200">
           <a:solidFill>
             <a:schemeClr val="tx1"/>
           </a:solidFill>
@@ -2906,8 +2912,8 @@
           <a:cs typeface="+mn-cs"/>
         </a:defRPr>
       </a:lvl5pPr>
-      <a:lvl6pPr marL="2539975" algn="l" defTabSz="1015990" rtl="0" eaLnBrk="1" latinLnBrk="1" hangingPunct="1">
-        <a:defRPr sz="2000" kern="1200">
+      <a:lvl6pPr marL="3429000" algn="l" defTabSz="1371600" rtl="0" eaLnBrk="1" latinLnBrk="1" hangingPunct="1">
+        <a:defRPr sz="2700" kern="1200">
           <a:solidFill>
             <a:schemeClr val="tx1"/>
           </a:solidFill>
@@ -2916,8 +2922,8 @@
           <a:cs typeface="+mn-cs"/>
         </a:defRPr>
       </a:lvl6pPr>
-      <a:lvl7pPr marL="3047970" algn="l" defTabSz="1015990" rtl="0" eaLnBrk="1" latinLnBrk="1" hangingPunct="1">
-        <a:defRPr sz="2000" kern="1200">
+      <a:lvl7pPr marL="4114800" algn="l" defTabSz="1371600" rtl="0" eaLnBrk="1" latinLnBrk="1" hangingPunct="1">
+        <a:defRPr sz="2700" kern="1200">
           <a:solidFill>
             <a:schemeClr val="tx1"/>
           </a:solidFill>
@@ -2926,8 +2932,8 @@
           <a:cs typeface="+mn-cs"/>
         </a:defRPr>
       </a:lvl7pPr>
-      <a:lvl8pPr marL="3555964" algn="l" defTabSz="1015990" rtl="0" eaLnBrk="1" latinLnBrk="1" hangingPunct="1">
-        <a:defRPr sz="2000" kern="1200">
+      <a:lvl8pPr marL="4800600" algn="l" defTabSz="1371600" rtl="0" eaLnBrk="1" latinLnBrk="1" hangingPunct="1">
+        <a:defRPr sz="2700" kern="1200">
           <a:solidFill>
             <a:schemeClr val="tx1"/>
           </a:solidFill>
@@ -2936,8 +2942,8 @@
           <a:cs typeface="+mn-cs"/>
         </a:defRPr>
       </a:lvl8pPr>
-      <a:lvl9pPr marL="4063959" algn="l" defTabSz="1015990" rtl="0" eaLnBrk="1" latinLnBrk="1" hangingPunct="1">
-        <a:defRPr sz="2000" kern="1200">
+      <a:lvl9pPr marL="5486400" algn="l" defTabSz="1371600" rtl="0" eaLnBrk="1" latinLnBrk="1" hangingPunct="1">
+        <a:defRPr sz="2700" kern="1200">
           <a:solidFill>
             <a:schemeClr val="tx1"/>
           </a:solidFill>
@@ -2976,12 +2982,17 @@
         </p:nvSpPr>
         <p:spPr>
           <a:xfrm>
-            <a:off x="0" y="7620000"/>
+            <a:off x="0" y="10287000"/>
             <a:ext cx="7620000" cy="3810000"/>
           </a:xfrm>
           <a:prstGeom prst="rect">
             <a:avLst/>
           </a:prstGeom>
+          <a:ln>
+            <a:solidFill>
+              <a:schemeClr val="tx1"/>
+            </a:solidFill>
+          </a:ln>
         </p:spPr>
         <p:style>
           <a:lnRef idx="2">
@@ -3000,7 +3011,7 @@
           </a:fontRef>
         </p:style>
         <p:txBody>
-          <a:bodyPr rot="0" spcFirstLastPara="0" vertOverflow="overflow" horzOverflow="overflow" vert="horz" wrap="square" lIns="101600" tIns="50800" rIns="101600" bIns="50800" numCol="1" spcCol="0" rtlCol="0" fromWordArt="0" anchor="ctr" anchorCtr="0" forceAA="0" compatLnSpc="1">
+          <a:bodyPr rot="0" spcFirstLastPara="0" vertOverflow="overflow" horzOverflow="overflow" vert="horz" wrap="square" lIns="101599" tIns="50801" rIns="101599" bIns="50801" numCol="1" spcCol="0" rtlCol="0" fromWordArt="0" anchor="ctr" anchorCtr="0" forceAA="0" compatLnSpc="1">
             <a:prstTxWarp prst="textNoShape">
               <a:avLst/>
             </a:prstTxWarp>
@@ -3011,7 +3022,22 @@
             <a:pPr algn="ctr"/>
             <a:r>
               <a:rPr lang="en-US" altLang="ko-KR" sz="4800" dirty="0"/>
-              <a:t>16 x 8</a:t>
+              <a:t>16 x </a:t>
+            </a:r>
+            <a:r>
+              <a:rPr lang="en-US" altLang="ko-KR" sz="4800" dirty="0"/>
+              <a:t>8</a:t>
+            </a:r>
+          </a:p>
+          <a:p>
+            <a:pPr algn="ctr"/>
+            <a:r>
+              <a:rPr lang="en-US" altLang="ko-KR" sz="4800" dirty="0"/>
+              <a:t>(800 x 400)</a:t>
+            </a:r>
+            <a:r>
+              <a:rPr lang="en-US" altLang="ko-KR" sz="4800" dirty="0" err="1"/>
+              <a:t>px</a:t>
             </a:r>
             <a:endParaRPr lang="ko-KR" altLang="en-US" sz="4800" dirty="0"/>
           </a:p>
@@ -3025,12 +3051,17 @@
         </p:nvSpPr>
         <p:spPr>
           <a:xfrm>
-            <a:off x="30480000" y="7588319"/>
+            <a:off x="30480000" y="10287000"/>
             <a:ext cx="7620000" cy="3810000"/>
           </a:xfrm>
           <a:prstGeom prst="rect">
             <a:avLst/>
           </a:prstGeom>
+          <a:ln>
+            <a:solidFill>
+              <a:schemeClr val="tx1"/>
+            </a:solidFill>
+          </a:ln>
         </p:spPr>
         <p:style>
           <a:lnRef idx="2">
@@ -3049,7 +3080,7 @@
           </a:fontRef>
         </p:style>
         <p:txBody>
-          <a:bodyPr rot="0" spcFirstLastPara="0" vertOverflow="overflow" horzOverflow="overflow" vert="horz" wrap="square" lIns="101600" tIns="50800" rIns="101600" bIns="50800" numCol="1" spcCol="0" rtlCol="0" fromWordArt="0" anchor="ctr" anchorCtr="0" forceAA="0" compatLnSpc="1">
+          <a:bodyPr rot="0" spcFirstLastPara="0" vertOverflow="overflow" horzOverflow="overflow" vert="horz" wrap="square" lIns="101599" tIns="50801" rIns="101599" bIns="50801" numCol="1" spcCol="0" rtlCol="0" fromWordArt="0" anchor="ctr" anchorCtr="0" forceAA="0" compatLnSpc="1">
             <a:prstTxWarp prst="textNoShape">
               <a:avLst/>
             </a:prstTxWarp>
@@ -3062,24 +3093,40 @@
               <a:rPr lang="en-US" altLang="ko-KR" sz="4800" dirty="0"/>
               <a:t>16 x 8</a:t>
             </a:r>
+          </a:p>
+          <a:p>
+            <a:pPr algn="ctr"/>
+            <a:r>
+              <a:rPr lang="en-US" altLang="ko-KR" sz="4800" dirty="0"/>
+              <a:t>(800 x 400)</a:t>
+            </a:r>
+            <a:r>
+              <a:rPr lang="en-US" altLang="ko-KR" sz="4800" dirty="0" err="1"/>
+              <a:t>px</a:t>
+            </a:r>
             <a:endParaRPr lang="ko-KR" altLang="en-US" sz="4800" dirty="0"/>
           </a:p>
         </p:txBody>
       </p:sp>
       <p:sp>
         <p:nvSpPr>
-          <p:cNvPr id="13" name="직사각형 12"/>
+          <p:cNvPr id="6" name="직사각형 5"/>
           <p:cNvSpPr/>
           <p:nvPr/>
         </p:nvSpPr>
         <p:spPr>
           <a:xfrm>
-            <a:off x="10082981" y="7620000"/>
-            <a:ext cx="5978013" cy="3810000"/>
+            <a:off x="9265920" y="10287000"/>
+            <a:ext cx="7620000" cy="3810000"/>
           </a:xfrm>
           <a:prstGeom prst="rect">
             <a:avLst/>
           </a:prstGeom>
+          <a:ln>
+            <a:solidFill>
+              <a:schemeClr val="tx1"/>
+            </a:solidFill>
+          </a:ln>
         </p:spPr>
         <p:style>
           <a:lnRef idx="2">
@@ -3098,7 +3145,7 @@
           </a:fontRef>
         </p:style>
         <p:txBody>
-          <a:bodyPr rot="0" spcFirstLastPara="0" vertOverflow="overflow" horzOverflow="overflow" vert="horz" wrap="square" lIns="101600" tIns="50800" rIns="101600" bIns="50800" numCol="1" spcCol="0" rtlCol="0" fromWordArt="0" anchor="ctr" anchorCtr="0" forceAA="0" compatLnSpc="1">
+          <a:bodyPr rot="0" spcFirstLastPara="0" vertOverflow="overflow" horzOverflow="overflow" vert="horz" wrap="square" lIns="101599" tIns="50801" rIns="101599" bIns="50801" numCol="1" spcCol="0" rtlCol="0" fromWordArt="0" anchor="ctr" anchorCtr="0" forceAA="0" compatLnSpc="1">
             <a:prstTxWarp prst="textNoShape">
               <a:avLst/>
             </a:prstTxWarp>
@@ -3107,24 +3154,48 @@
           <a:lstStyle/>
           <a:p>
             <a:pPr algn="ctr"/>
+            <a:r>
+              <a:rPr lang="en-US" altLang="ko-KR" sz="4800" dirty="0"/>
+              <a:t>16 x </a:t>
+            </a:r>
+            <a:r>
+              <a:rPr lang="en-US" altLang="ko-KR" sz="4800" dirty="0"/>
+              <a:t>8</a:t>
+            </a:r>
+          </a:p>
+          <a:p>
+            <a:pPr algn="ctr"/>
+            <a:r>
+              <a:rPr lang="en-US" altLang="ko-KR" sz="4800" dirty="0"/>
+              <a:t>(800 x 400)</a:t>
+            </a:r>
+            <a:r>
+              <a:rPr lang="en-US" altLang="ko-KR" sz="4800" dirty="0" err="1"/>
+              <a:t>px</a:t>
+            </a:r>
             <a:endParaRPr lang="ko-KR" altLang="en-US" sz="4800" dirty="0"/>
           </a:p>
         </p:txBody>
       </p:sp>
       <p:sp>
         <p:nvSpPr>
-          <p:cNvPr id="14" name="직사각형 13"/>
+          <p:cNvPr id="7" name="직사각형 6"/>
           <p:cNvSpPr/>
           <p:nvPr/>
         </p:nvSpPr>
         <p:spPr>
           <a:xfrm>
-            <a:off x="22860001" y="7620000"/>
-            <a:ext cx="5978013" cy="3810000"/>
+            <a:off x="21214080" y="10287000"/>
+            <a:ext cx="7620000" cy="3810000"/>
           </a:xfrm>
           <a:prstGeom prst="rect">
             <a:avLst/>
           </a:prstGeom>
+          <a:ln>
+            <a:solidFill>
+              <a:schemeClr val="tx1"/>
+            </a:solidFill>
+          </a:ln>
         </p:spPr>
         <p:style>
           <a:lnRef idx="2">
@@ -3143,7 +3214,7 @@
           </a:fontRef>
         </p:style>
         <p:txBody>
-          <a:bodyPr rot="0" spcFirstLastPara="0" vertOverflow="overflow" horzOverflow="overflow" vert="horz" wrap="square" lIns="101600" tIns="50800" rIns="101600" bIns="50800" numCol="1" spcCol="0" rtlCol="0" fromWordArt="0" anchor="ctr" anchorCtr="0" forceAA="0" compatLnSpc="1">
+          <a:bodyPr rot="0" spcFirstLastPara="0" vertOverflow="overflow" horzOverflow="overflow" vert="horz" wrap="square" lIns="101599" tIns="50801" rIns="101599" bIns="50801" numCol="1" spcCol="0" rtlCol="0" fromWordArt="0" anchor="ctr" anchorCtr="0" forceAA="0" compatLnSpc="1">
             <a:prstTxWarp prst="textNoShape">
               <a:avLst/>
             </a:prstTxWarp>
@@ -3154,9 +3225,273 @@
             <a:pPr algn="ctr"/>
             <a:r>
               <a:rPr lang="en-US" altLang="ko-KR" sz="4800" dirty="0"/>
-              <a:t>16 x 8</a:t>
+              <a:t>16 x </a:t>
+            </a:r>
+            <a:r>
+              <a:rPr lang="en-US" altLang="ko-KR" sz="4800" dirty="0"/>
+              <a:t>8</a:t>
+            </a:r>
+          </a:p>
+          <a:p>
+            <a:pPr algn="ctr"/>
+            <a:r>
+              <a:rPr lang="en-US" altLang="ko-KR" sz="4800" dirty="0"/>
+              <a:t>(800 x 400)</a:t>
+            </a:r>
+            <a:r>
+              <a:rPr lang="en-US" altLang="ko-KR" sz="4800" dirty="0" err="1"/>
+              <a:t>px</a:t>
             </a:r>
             <a:endParaRPr lang="ko-KR" altLang="en-US" sz="4800" dirty="0"/>
+          </a:p>
+        </p:txBody>
+      </p:sp>
+      <p:sp>
+        <p:nvSpPr>
+          <p:cNvPr id="2" name="직사각형 1"/>
+          <p:cNvSpPr/>
+          <p:nvPr/>
+        </p:nvSpPr>
+        <p:spPr>
+          <a:xfrm>
+            <a:off x="0" y="2667000"/>
+            <a:ext cx="38100000" cy="7620000"/>
+          </a:xfrm>
+          <a:prstGeom prst="rect">
+            <a:avLst/>
+          </a:prstGeom>
+          <a:solidFill>
+            <a:schemeClr val="accent4">
+              <a:lumMod val="40000"/>
+              <a:lumOff val="60000"/>
+            </a:schemeClr>
+          </a:solidFill>
+          <a:ln>
+            <a:solidFill>
+              <a:schemeClr val="tx1"/>
+            </a:solidFill>
+          </a:ln>
+        </p:spPr>
+        <p:style>
+          <a:lnRef idx="2">
+            <a:schemeClr val="accent1">
+              <a:shade val="50000"/>
+            </a:schemeClr>
+          </a:lnRef>
+          <a:fillRef idx="1">
+            <a:schemeClr val="accent1"/>
+          </a:fillRef>
+          <a:effectRef idx="0">
+            <a:schemeClr val="accent1"/>
+          </a:effectRef>
+          <a:fontRef idx="minor">
+            <a:schemeClr val="lt1"/>
+          </a:fontRef>
+        </p:style>
+        <p:txBody>
+          <a:bodyPr rot="0" spcFirstLastPara="0" vertOverflow="overflow" horzOverflow="overflow" vert="horz" wrap="square" lIns="91440" tIns="45720" rIns="91440" bIns="45720" numCol="1" spcCol="0" rtlCol="0" fromWordArt="0" anchor="ctr" anchorCtr="0" forceAA="0" compatLnSpc="1">
+            <a:prstTxWarp prst="textNoShape">
+              <a:avLst/>
+            </a:prstTxWarp>
+            <a:noAutofit/>
+          </a:bodyPr>
+          <a:lstStyle/>
+          <a:p>
+            <a:pPr algn="ctr"/>
+            <a:r>
+              <a:rPr lang="en-US" altLang="ko-KR" sz="11502" dirty="0">
+                <a:solidFill>
+                  <a:schemeClr val="tx1"/>
+                </a:solidFill>
+              </a:rPr>
+              <a:t>5:1</a:t>
+            </a:r>
+          </a:p>
+          <a:p>
+            <a:pPr algn="ctr"/>
+            <a:r>
+              <a:rPr lang="en-US" altLang="ko-KR" sz="11502" dirty="0">
+                <a:solidFill>
+                  <a:schemeClr val="tx1"/>
+                </a:solidFill>
+              </a:rPr>
+              <a:t>(4000 X 800)</a:t>
+            </a:r>
+            <a:r>
+              <a:rPr lang="en-US" altLang="ko-KR" sz="11502" dirty="0" err="1">
+                <a:solidFill>
+                  <a:schemeClr val="tx1"/>
+                </a:solidFill>
+              </a:rPr>
+              <a:t>px</a:t>
+            </a:r>
+            <a:endParaRPr lang="ko-KR" altLang="en-US" sz="11502" dirty="0">
+              <a:solidFill>
+                <a:schemeClr val="tx1"/>
+              </a:solidFill>
+            </a:endParaRPr>
+          </a:p>
+        </p:txBody>
+      </p:sp>
+      <p:sp>
+        <p:nvSpPr>
+          <p:cNvPr id="3" name="위쪽/아래쪽 화살표 2"/>
+          <p:cNvSpPr/>
+          <p:nvPr/>
+        </p:nvSpPr>
+        <p:spPr>
+          <a:xfrm>
+            <a:off x="-2536723" y="2667000"/>
+            <a:ext cx="2536723" cy="11430000"/>
+          </a:xfrm>
+          <a:prstGeom prst="upDownArrow">
+            <a:avLst/>
+          </a:prstGeom>
+          <a:solidFill>
+            <a:srgbClr val="FF0000"/>
+          </a:solidFill>
+        </p:spPr>
+        <p:style>
+          <a:lnRef idx="2">
+            <a:schemeClr val="accent1">
+              <a:shade val="50000"/>
+            </a:schemeClr>
+          </a:lnRef>
+          <a:fillRef idx="1">
+            <a:schemeClr val="accent1"/>
+          </a:fillRef>
+          <a:effectRef idx="0">
+            <a:schemeClr val="accent1"/>
+          </a:effectRef>
+          <a:fontRef idx="minor">
+            <a:schemeClr val="lt1"/>
+          </a:fontRef>
+        </p:style>
+        <p:txBody>
+          <a:bodyPr rot="0" spcFirstLastPara="0" vertOverflow="overflow" horzOverflow="overflow" vert="horz" wrap="square" lIns="91440" tIns="45720" rIns="91440" bIns="45720" numCol="1" spcCol="0" rtlCol="0" fromWordArt="0" anchor="ctr" anchorCtr="0" forceAA="0" compatLnSpc="1">
+            <a:prstTxWarp prst="textNoShape">
+              <a:avLst/>
+            </a:prstTxWarp>
+            <a:noAutofit/>
+          </a:bodyPr>
+          <a:lstStyle/>
+          <a:p>
+            <a:pPr algn="ctr"/>
+            <a:r>
+              <a:rPr lang="en-US" altLang="ko-KR" sz="4001" dirty="0"/>
+              <a:t>1200</a:t>
+            </a:r>
+            <a:endParaRPr lang="ko-KR" altLang="en-US" sz="4001" dirty="0"/>
+          </a:p>
+        </p:txBody>
+      </p:sp>
+      <p:sp>
+        <p:nvSpPr>
+          <p:cNvPr id="5" name="왼쪽/오른쪽 화살표 4"/>
+          <p:cNvSpPr/>
+          <p:nvPr/>
+        </p:nvSpPr>
+        <p:spPr>
+          <a:xfrm>
+            <a:off x="0" y="129000"/>
+            <a:ext cx="38100000" cy="2538000"/>
+          </a:xfrm>
+          <a:prstGeom prst="leftRightArrow">
+            <a:avLst/>
+          </a:prstGeom>
+          <a:solidFill>
+            <a:srgbClr val="FF0000"/>
+          </a:solidFill>
+        </p:spPr>
+        <p:style>
+          <a:lnRef idx="2">
+            <a:schemeClr val="accent1">
+              <a:shade val="50000"/>
+            </a:schemeClr>
+          </a:lnRef>
+          <a:fillRef idx="1">
+            <a:schemeClr val="accent1"/>
+          </a:fillRef>
+          <a:effectRef idx="0">
+            <a:schemeClr val="accent1"/>
+          </a:effectRef>
+          <a:fontRef idx="minor">
+            <a:schemeClr val="lt1"/>
+          </a:fontRef>
+        </p:style>
+        <p:txBody>
+          <a:bodyPr rot="0" spcFirstLastPara="0" vertOverflow="overflow" horzOverflow="overflow" vert="horz" wrap="square" lIns="91440" tIns="45720" rIns="91440" bIns="45720" numCol="1" spcCol="0" rtlCol="0" fromWordArt="0" anchor="ctr" anchorCtr="0" forceAA="0" compatLnSpc="1">
+            <a:prstTxWarp prst="textNoShape">
+              <a:avLst/>
+            </a:prstTxWarp>
+            <a:noAutofit/>
+          </a:bodyPr>
+          <a:lstStyle/>
+          <a:p>
+            <a:pPr algn="ctr"/>
+            <a:r>
+              <a:rPr lang="en-US" altLang="ko-KR" sz="6600" dirty="0"/>
+              <a:t>4000</a:t>
+            </a:r>
+            <a:endParaRPr lang="ko-KR" altLang="en-US" sz="6600" dirty="0"/>
+          </a:p>
+        </p:txBody>
+      </p:sp>
+      <p:sp>
+        <p:nvSpPr>
+          <p:cNvPr id="8" name="직사각형 7"/>
+          <p:cNvSpPr/>
+          <p:nvPr/>
+        </p:nvSpPr>
+        <p:spPr>
+          <a:xfrm>
+            <a:off x="0" y="2667000"/>
+            <a:ext cx="18288000" cy="10287000"/>
+          </a:xfrm>
+          <a:prstGeom prst="rect">
+            <a:avLst/>
+          </a:prstGeom>
+          <a:noFill/>
+          <a:ln w="38100">
+            <a:solidFill>
+              <a:srgbClr val="FF0000"/>
+            </a:solidFill>
+          </a:ln>
+        </p:spPr>
+        <p:style>
+          <a:lnRef idx="2">
+            <a:schemeClr val="accent1">
+              <a:shade val="50000"/>
+            </a:schemeClr>
+          </a:lnRef>
+          <a:fillRef idx="1">
+            <a:schemeClr val="accent1"/>
+          </a:fillRef>
+          <a:effectRef idx="0">
+            <a:schemeClr val="accent1"/>
+          </a:effectRef>
+          <a:fontRef idx="minor">
+            <a:schemeClr val="lt1"/>
+          </a:fontRef>
+        </p:style>
+        <p:txBody>
+          <a:bodyPr rot="0" spcFirstLastPara="0" vertOverflow="overflow" horzOverflow="overflow" vert="horz" wrap="square" lIns="91440" tIns="45720" rIns="91440" bIns="45720" numCol="1" spcCol="0" rtlCol="0" fromWordArt="0" anchor="ctr" anchorCtr="0" forceAA="0" compatLnSpc="1">
+            <a:prstTxWarp prst="textNoShape">
+              <a:avLst/>
+            </a:prstTxWarp>
+            <a:noAutofit/>
+          </a:bodyPr>
+          <a:lstStyle/>
+          <a:p>
+            <a:pPr algn="ctr"/>
+            <a:r>
+              <a:rPr lang="ko-KR" altLang="en-US" sz="5400" dirty="0">
+                <a:solidFill>
+                  <a:schemeClr val="tx1"/>
+                </a:solidFill>
+              </a:rPr>
+              <a:t>화면 크기</a:t>
+            </a:r>
           </a:p>
         </p:txBody>
       </p:sp>
@@ -3170,6 +3505,579 @@
   <p:clrMapOvr>
     <a:masterClrMapping/>
   </p:clrMapOvr>
+  <p:timing>
+    <p:tnLst>
+      <p:par>
+        <p:cTn id="1" dur="indefinite" restart="never" nodeType="tmRoot"/>
+      </p:par>
+    </p:tnLst>
+  </p:timing>
+</p:sld>
+</file>
+
+<file path=ppt/slides/slide2.xml><?xml version="1.0" encoding="utf-8"?>
+<p:sld xmlns:a="http://schemas.openxmlformats.org/drawingml/2006/main" xmlns:r="http://schemas.openxmlformats.org/officeDocument/2006/relationships" xmlns:p="http://schemas.openxmlformats.org/presentationml/2006/main">
+  <p:cSld>
+    <p:spTree>
+      <p:nvGrpSpPr>
+        <p:cNvPr id="1" name=""/>
+        <p:cNvGrpSpPr/>
+        <p:nvPr/>
+      </p:nvGrpSpPr>
+      <p:grpSpPr>
+        <a:xfrm>
+          <a:off x="0" y="0"/>
+          <a:ext cx="0" cy="0"/>
+          <a:chOff x="0" y="0"/>
+          <a:chExt cx="0" cy="0"/>
+        </a:xfrm>
+      </p:grpSpPr>
+      <p:sp>
+        <p:nvSpPr>
+          <p:cNvPr id="4" name="직사각형 3"/>
+          <p:cNvSpPr/>
+          <p:nvPr/>
+        </p:nvSpPr>
+        <p:spPr>
+          <a:xfrm>
+            <a:off x="0" y="10287000"/>
+            <a:ext cx="7620000" cy="3810000"/>
+          </a:xfrm>
+          <a:prstGeom prst="rect">
+            <a:avLst/>
+          </a:prstGeom>
+          <a:ln>
+            <a:solidFill>
+              <a:schemeClr val="tx1"/>
+            </a:solidFill>
+          </a:ln>
+        </p:spPr>
+        <p:style>
+          <a:lnRef idx="2">
+            <a:schemeClr val="accent1">
+              <a:shade val="50000"/>
+            </a:schemeClr>
+          </a:lnRef>
+          <a:fillRef idx="1">
+            <a:schemeClr val="accent1"/>
+          </a:fillRef>
+          <a:effectRef idx="0">
+            <a:schemeClr val="accent1"/>
+          </a:effectRef>
+          <a:fontRef idx="minor">
+            <a:schemeClr val="lt1"/>
+          </a:fontRef>
+        </p:style>
+        <p:txBody>
+          <a:bodyPr rot="0" spcFirstLastPara="0" vertOverflow="overflow" horzOverflow="overflow" vert="horz" wrap="square" lIns="101599" tIns="50801" rIns="101599" bIns="50801" numCol="1" spcCol="0" rtlCol="0" fromWordArt="0" anchor="ctr" anchorCtr="0" forceAA="0" compatLnSpc="1">
+            <a:prstTxWarp prst="textNoShape">
+              <a:avLst/>
+            </a:prstTxWarp>
+            <a:noAutofit/>
+          </a:bodyPr>
+          <a:lstStyle/>
+          <a:p>
+            <a:pPr algn="ctr"/>
+            <a:r>
+              <a:rPr lang="en-US" altLang="ko-KR" sz="4800" dirty="0"/>
+              <a:t>16 x </a:t>
+            </a:r>
+            <a:r>
+              <a:rPr lang="en-US" altLang="ko-KR" sz="4800" dirty="0"/>
+              <a:t>8</a:t>
+            </a:r>
+          </a:p>
+          <a:p>
+            <a:pPr algn="ctr"/>
+            <a:r>
+              <a:rPr lang="en-US" altLang="ko-KR" sz="4800" dirty="0"/>
+              <a:t>(800 x 400)</a:t>
+            </a:r>
+            <a:r>
+              <a:rPr lang="en-US" altLang="ko-KR" sz="4800" dirty="0" err="1"/>
+              <a:t>px</a:t>
+            </a:r>
+            <a:endParaRPr lang="ko-KR" altLang="en-US" sz="4800" dirty="0"/>
+          </a:p>
+        </p:txBody>
+      </p:sp>
+      <p:sp>
+        <p:nvSpPr>
+          <p:cNvPr id="12" name="직사각형 11"/>
+          <p:cNvSpPr/>
+          <p:nvPr/>
+        </p:nvSpPr>
+        <p:spPr>
+          <a:xfrm>
+            <a:off x="30480000" y="10287000"/>
+            <a:ext cx="7620000" cy="3810000"/>
+          </a:xfrm>
+          <a:prstGeom prst="rect">
+            <a:avLst/>
+          </a:prstGeom>
+          <a:ln>
+            <a:solidFill>
+              <a:schemeClr val="tx1"/>
+            </a:solidFill>
+          </a:ln>
+        </p:spPr>
+        <p:style>
+          <a:lnRef idx="2">
+            <a:schemeClr val="accent1">
+              <a:shade val="50000"/>
+            </a:schemeClr>
+          </a:lnRef>
+          <a:fillRef idx="1">
+            <a:schemeClr val="accent1"/>
+          </a:fillRef>
+          <a:effectRef idx="0">
+            <a:schemeClr val="accent1"/>
+          </a:effectRef>
+          <a:fontRef idx="minor">
+            <a:schemeClr val="lt1"/>
+          </a:fontRef>
+        </p:style>
+        <p:txBody>
+          <a:bodyPr rot="0" spcFirstLastPara="0" vertOverflow="overflow" horzOverflow="overflow" vert="horz" wrap="square" lIns="101599" tIns="50801" rIns="101599" bIns="50801" numCol="1" spcCol="0" rtlCol="0" fromWordArt="0" anchor="ctr" anchorCtr="0" forceAA="0" compatLnSpc="1">
+            <a:prstTxWarp prst="textNoShape">
+              <a:avLst/>
+            </a:prstTxWarp>
+            <a:noAutofit/>
+          </a:bodyPr>
+          <a:lstStyle/>
+          <a:p>
+            <a:pPr algn="ctr"/>
+            <a:r>
+              <a:rPr lang="en-US" altLang="ko-KR" sz="4800" dirty="0"/>
+              <a:t>16 x 8</a:t>
+            </a:r>
+          </a:p>
+          <a:p>
+            <a:pPr algn="ctr"/>
+            <a:r>
+              <a:rPr lang="en-US" altLang="ko-KR" sz="4800" dirty="0"/>
+              <a:t>(800 x 400)</a:t>
+            </a:r>
+            <a:r>
+              <a:rPr lang="en-US" altLang="ko-KR" sz="4800" dirty="0" err="1"/>
+              <a:t>px</a:t>
+            </a:r>
+            <a:endParaRPr lang="ko-KR" altLang="en-US" sz="4800" dirty="0"/>
+          </a:p>
+        </p:txBody>
+      </p:sp>
+      <p:sp>
+        <p:nvSpPr>
+          <p:cNvPr id="6" name="직사각형 5"/>
+          <p:cNvSpPr/>
+          <p:nvPr/>
+        </p:nvSpPr>
+        <p:spPr>
+          <a:xfrm>
+            <a:off x="9265920" y="10287000"/>
+            <a:ext cx="7620000" cy="3810000"/>
+          </a:xfrm>
+          <a:prstGeom prst="rect">
+            <a:avLst/>
+          </a:prstGeom>
+          <a:ln>
+            <a:solidFill>
+              <a:schemeClr val="tx1"/>
+            </a:solidFill>
+          </a:ln>
+        </p:spPr>
+        <p:style>
+          <a:lnRef idx="2">
+            <a:schemeClr val="accent1">
+              <a:shade val="50000"/>
+            </a:schemeClr>
+          </a:lnRef>
+          <a:fillRef idx="1">
+            <a:schemeClr val="accent1"/>
+          </a:fillRef>
+          <a:effectRef idx="0">
+            <a:schemeClr val="accent1"/>
+          </a:effectRef>
+          <a:fontRef idx="minor">
+            <a:schemeClr val="lt1"/>
+          </a:fontRef>
+        </p:style>
+        <p:txBody>
+          <a:bodyPr rot="0" spcFirstLastPara="0" vertOverflow="overflow" horzOverflow="overflow" vert="horz" wrap="square" lIns="101599" tIns="50801" rIns="101599" bIns="50801" numCol="1" spcCol="0" rtlCol="0" fromWordArt="0" anchor="ctr" anchorCtr="0" forceAA="0" compatLnSpc="1">
+            <a:prstTxWarp prst="textNoShape">
+              <a:avLst/>
+            </a:prstTxWarp>
+            <a:noAutofit/>
+          </a:bodyPr>
+          <a:lstStyle/>
+          <a:p>
+            <a:pPr algn="ctr"/>
+            <a:r>
+              <a:rPr lang="en-US" altLang="ko-KR" sz="4800" dirty="0"/>
+              <a:t>16 x </a:t>
+            </a:r>
+            <a:r>
+              <a:rPr lang="en-US" altLang="ko-KR" sz="4800" dirty="0"/>
+              <a:t>8</a:t>
+            </a:r>
+          </a:p>
+          <a:p>
+            <a:pPr algn="ctr"/>
+            <a:r>
+              <a:rPr lang="en-US" altLang="ko-KR" sz="4800" dirty="0"/>
+              <a:t>(800 x 400)</a:t>
+            </a:r>
+            <a:r>
+              <a:rPr lang="en-US" altLang="ko-KR" sz="4800" dirty="0" err="1"/>
+              <a:t>px</a:t>
+            </a:r>
+            <a:endParaRPr lang="ko-KR" altLang="en-US" sz="4800" dirty="0"/>
+          </a:p>
+        </p:txBody>
+      </p:sp>
+      <p:sp>
+        <p:nvSpPr>
+          <p:cNvPr id="7" name="직사각형 6"/>
+          <p:cNvSpPr/>
+          <p:nvPr/>
+        </p:nvSpPr>
+        <p:spPr>
+          <a:xfrm>
+            <a:off x="21214080" y="10287000"/>
+            <a:ext cx="7620000" cy="3810000"/>
+          </a:xfrm>
+          <a:prstGeom prst="rect">
+            <a:avLst/>
+          </a:prstGeom>
+          <a:ln>
+            <a:solidFill>
+              <a:schemeClr val="tx1"/>
+            </a:solidFill>
+          </a:ln>
+        </p:spPr>
+        <p:style>
+          <a:lnRef idx="2">
+            <a:schemeClr val="accent1">
+              <a:shade val="50000"/>
+            </a:schemeClr>
+          </a:lnRef>
+          <a:fillRef idx="1">
+            <a:schemeClr val="accent1"/>
+          </a:fillRef>
+          <a:effectRef idx="0">
+            <a:schemeClr val="accent1"/>
+          </a:effectRef>
+          <a:fontRef idx="minor">
+            <a:schemeClr val="lt1"/>
+          </a:fontRef>
+        </p:style>
+        <p:txBody>
+          <a:bodyPr rot="0" spcFirstLastPara="0" vertOverflow="overflow" horzOverflow="overflow" vert="horz" wrap="square" lIns="101599" tIns="50801" rIns="101599" bIns="50801" numCol="1" spcCol="0" rtlCol="0" fromWordArt="0" anchor="ctr" anchorCtr="0" forceAA="0" compatLnSpc="1">
+            <a:prstTxWarp prst="textNoShape">
+              <a:avLst/>
+            </a:prstTxWarp>
+            <a:noAutofit/>
+          </a:bodyPr>
+          <a:lstStyle/>
+          <a:p>
+            <a:pPr algn="ctr"/>
+            <a:r>
+              <a:rPr lang="en-US" altLang="ko-KR" sz="4800" dirty="0"/>
+              <a:t>16 x </a:t>
+            </a:r>
+            <a:r>
+              <a:rPr lang="en-US" altLang="ko-KR" sz="4800" dirty="0"/>
+              <a:t>8</a:t>
+            </a:r>
+          </a:p>
+          <a:p>
+            <a:pPr algn="ctr"/>
+            <a:r>
+              <a:rPr lang="en-US" altLang="ko-KR" sz="4800" dirty="0"/>
+              <a:t>(800 x 400)</a:t>
+            </a:r>
+            <a:r>
+              <a:rPr lang="en-US" altLang="ko-KR" sz="4800" dirty="0" err="1"/>
+              <a:t>px</a:t>
+            </a:r>
+            <a:endParaRPr lang="ko-KR" altLang="en-US" sz="4800" dirty="0"/>
+          </a:p>
+        </p:txBody>
+      </p:sp>
+      <p:sp>
+        <p:nvSpPr>
+          <p:cNvPr id="2" name="직사각형 1"/>
+          <p:cNvSpPr/>
+          <p:nvPr/>
+        </p:nvSpPr>
+        <p:spPr>
+          <a:xfrm>
+            <a:off x="0" y="0"/>
+            <a:ext cx="38100000" cy="10287000"/>
+          </a:xfrm>
+          <a:prstGeom prst="rect">
+            <a:avLst/>
+          </a:prstGeom>
+          <a:solidFill>
+            <a:schemeClr val="accent4">
+              <a:lumMod val="40000"/>
+              <a:lumOff val="60000"/>
+            </a:schemeClr>
+          </a:solidFill>
+          <a:ln>
+            <a:solidFill>
+              <a:schemeClr val="tx1"/>
+            </a:solidFill>
+          </a:ln>
+        </p:spPr>
+        <p:style>
+          <a:lnRef idx="2">
+            <a:schemeClr val="accent1">
+              <a:shade val="50000"/>
+            </a:schemeClr>
+          </a:lnRef>
+          <a:fillRef idx="1">
+            <a:schemeClr val="accent1"/>
+          </a:fillRef>
+          <a:effectRef idx="0">
+            <a:schemeClr val="accent1"/>
+          </a:effectRef>
+          <a:fontRef idx="minor">
+            <a:schemeClr val="lt1"/>
+          </a:fontRef>
+        </p:style>
+        <p:txBody>
+          <a:bodyPr rot="0" spcFirstLastPara="0" vertOverflow="overflow" horzOverflow="overflow" vert="horz" wrap="square" lIns="91440" tIns="45720" rIns="91440" bIns="45720" numCol="1" spcCol="0" rtlCol="0" fromWordArt="0" anchor="ctr" anchorCtr="0" forceAA="0" compatLnSpc="1">
+            <a:prstTxWarp prst="textNoShape">
+              <a:avLst/>
+            </a:prstTxWarp>
+            <a:noAutofit/>
+          </a:bodyPr>
+          <a:lstStyle/>
+          <a:p>
+            <a:pPr algn="ctr"/>
+            <a:r>
+              <a:rPr lang="en-US" altLang="ko-KR" sz="11502" dirty="0">
+                <a:solidFill>
+                  <a:schemeClr val="tx1"/>
+                </a:solidFill>
+              </a:rPr>
+              <a:t>5:1</a:t>
+            </a:r>
+          </a:p>
+          <a:p>
+            <a:pPr algn="ctr"/>
+            <a:r>
+              <a:rPr lang="en-US" altLang="ko-KR" sz="11502" dirty="0">
+                <a:solidFill>
+                  <a:schemeClr val="tx1"/>
+                </a:solidFill>
+              </a:rPr>
+              <a:t>(4000 X </a:t>
+            </a:r>
+            <a:r>
+              <a:rPr lang="en-US" altLang="ko-KR" sz="11502" dirty="0" smtClean="0">
+                <a:solidFill>
+                  <a:schemeClr val="tx1"/>
+                </a:solidFill>
+              </a:rPr>
+              <a:t>1080)</a:t>
+            </a:r>
+            <a:r>
+              <a:rPr lang="en-US" altLang="ko-KR" sz="11502" dirty="0" err="1" smtClean="0">
+                <a:solidFill>
+                  <a:schemeClr val="tx1"/>
+                </a:solidFill>
+              </a:rPr>
+              <a:t>px</a:t>
+            </a:r>
+            <a:endParaRPr lang="ko-KR" altLang="en-US" sz="11502" dirty="0">
+              <a:solidFill>
+                <a:schemeClr val="tx1"/>
+              </a:solidFill>
+            </a:endParaRPr>
+          </a:p>
+        </p:txBody>
+      </p:sp>
+      <p:sp>
+        <p:nvSpPr>
+          <p:cNvPr id="3" name="위쪽/아래쪽 화살표 2"/>
+          <p:cNvSpPr/>
+          <p:nvPr/>
+        </p:nvSpPr>
+        <p:spPr>
+          <a:xfrm>
+            <a:off x="-2536723" y="0"/>
+            <a:ext cx="2536723" cy="14097000"/>
+          </a:xfrm>
+          <a:prstGeom prst="upDownArrow">
+            <a:avLst/>
+          </a:prstGeom>
+          <a:solidFill>
+            <a:srgbClr val="FF0000"/>
+          </a:solidFill>
+        </p:spPr>
+        <p:style>
+          <a:lnRef idx="2">
+            <a:schemeClr val="accent1">
+              <a:shade val="50000"/>
+            </a:schemeClr>
+          </a:lnRef>
+          <a:fillRef idx="1">
+            <a:schemeClr val="accent1"/>
+          </a:fillRef>
+          <a:effectRef idx="0">
+            <a:schemeClr val="accent1"/>
+          </a:effectRef>
+          <a:fontRef idx="minor">
+            <a:schemeClr val="lt1"/>
+          </a:fontRef>
+        </p:style>
+        <p:txBody>
+          <a:bodyPr rot="0" spcFirstLastPara="0" vertOverflow="overflow" horzOverflow="overflow" vert="horz" wrap="square" lIns="91440" tIns="45720" rIns="91440" bIns="45720" numCol="1" spcCol="0" rtlCol="0" fromWordArt="0" anchor="ctr" anchorCtr="0" forceAA="0" compatLnSpc="1">
+            <a:prstTxWarp prst="textNoShape">
+              <a:avLst/>
+            </a:prstTxWarp>
+            <a:noAutofit/>
+          </a:bodyPr>
+          <a:lstStyle/>
+          <a:p>
+            <a:pPr algn="ctr"/>
+            <a:r>
+              <a:rPr lang="en-US" altLang="ko-KR" sz="4001" dirty="0" smtClean="0"/>
+              <a:t>1480</a:t>
+            </a:r>
+            <a:endParaRPr lang="ko-KR" altLang="en-US" sz="4001" dirty="0"/>
+          </a:p>
+        </p:txBody>
+      </p:sp>
+      <p:sp>
+        <p:nvSpPr>
+          <p:cNvPr id="5" name="왼쪽/오른쪽 화살표 4"/>
+          <p:cNvSpPr/>
+          <p:nvPr/>
+        </p:nvSpPr>
+        <p:spPr>
+          <a:xfrm>
+            <a:off x="0" y="-2602500"/>
+            <a:ext cx="38100000" cy="2538000"/>
+          </a:xfrm>
+          <a:prstGeom prst="leftRightArrow">
+            <a:avLst/>
+          </a:prstGeom>
+          <a:solidFill>
+            <a:srgbClr val="FF0000"/>
+          </a:solidFill>
+        </p:spPr>
+        <p:style>
+          <a:lnRef idx="2">
+            <a:schemeClr val="accent1">
+              <a:shade val="50000"/>
+            </a:schemeClr>
+          </a:lnRef>
+          <a:fillRef idx="1">
+            <a:schemeClr val="accent1"/>
+          </a:fillRef>
+          <a:effectRef idx="0">
+            <a:schemeClr val="accent1"/>
+          </a:effectRef>
+          <a:fontRef idx="minor">
+            <a:schemeClr val="lt1"/>
+          </a:fontRef>
+        </p:style>
+        <p:txBody>
+          <a:bodyPr rot="0" spcFirstLastPara="0" vertOverflow="overflow" horzOverflow="overflow" vert="horz" wrap="square" lIns="91440" tIns="45720" rIns="91440" bIns="45720" numCol="1" spcCol="0" rtlCol="0" fromWordArt="0" anchor="ctr" anchorCtr="0" forceAA="0" compatLnSpc="1">
+            <a:prstTxWarp prst="textNoShape">
+              <a:avLst/>
+            </a:prstTxWarp>
+            <a:noAutofit/>
+          </a:bodyPr>
+          <a:lstStyle/>
+          <a:p>
+            <a:pPr algn="ctr"/>
+            <a:r>
+              <a:rPr lang="en-US" altLang="ko-KR" sz="6600" dirty="0"/>
+              <a:t>4000</a:t>
+            </a:r>
+            <a:endParaRPr lang="ko-KR" altLang="en-US" sz="6600" dirty="0"/>
+          </a:p>
+        </p:txBody>
+      </p:sp>
+      <p:sp>
+        <p:nvSpPr>
+          <p:cNvPr id="8" name="직사각형 7"/>
+          <p:cNvSpPr/>
+          <p:nvPr/>
+        </p:nvSpPr>
+        <p:spPr>
+          <a:xfrm>
+            <a:off x="0" y="0"/>
+            <a:ext cx="18288000" cy="10287000"/>
+          </a:xfrm>
+          <a:prstGeom prst="rect">
+            <a:avLst/>
+          </a:prstGeom>
+          <a:noFill/>
+          <a:ln w="38100">
+            <a:solidFill>
+              <a:srgbClr val="FF0000"/>
+            </a:solidFill>
+          </a:ln>
+        </p:spPr>
+        <p:style>
+          <a:lnRef idx="2">
+            <a:schemeClr val="accent1">
+              <a:shade val="50000"/>
+            </a:schemeClr>
+          </a:lnRef>
+          <a:fillRef idx="1">
+            <a:schemeClr val="accent1"/>
+          </a:fillRef>
+          <a:effectRef idx="0">
+            <a:schemeClr val="accent1"/>
+          </a:effectRef>
+          <a:fontRef idx="minor">
+            <a:schemeClr val="lt1"/>
+          </a:fontRef>
+        </p:style>
+        <p:txBody>
+          <a:bodyPr rot="0" spcFirstLastPara="0" vertOverflow="overflow" horzOverflow="overflow" vert="horz" wrap="square" lIns="91440" tIns="45720" rIns="91440" bIns="45720" numCol="1" spcCol="0" rtlCol="0" fromWordArt="0" anchor="ctr" anchorCtr="0" forceAA="0" compatLnSpc="1">
+            <a:prstTxWarp prst="textNoShape">
+              <a:avLst/>
+            </a:prstTxWarp>
+            <a:noAutofit/>
+          </a:bodyPr>
+          <a:lstStyle/>
+          <a:p>
+            <a:pPr algn="ctr"/>
+            <a:r>
+              <a:rPr lang="ko-KR" altLang="en-US" sz="5400" dirty="0">
+                <a:solidFill>
+                  <a:schemeClr val="tx1"/>
+                </a:solidFill>
+              </a:rPr>
+              <a:t>화면 크기</a:t>
+            </a:r>
+          </a:p>
+        </p:txBody>
+      </p:sp>
+    </p:spTree>
+    <p:extLst>
+      <p:ext uri="{BB962C8B-B14F-4D97-AF65-F5344CB8AC3E}">
+        <p14:creationId xmlns:p14="http://schemas.microsoft.com/office/powerpoint/2010/main" val="1921655118"/>
+      </p:ext>
+    </p:extLst>
+  </p:cSld>
+  <p:clrMapOvr>
+    <a:masterClrMapping/>
+  </p:clrMapOvr>
+  <p:timing>
+    <p:tnLst>
+      <p:par>
+        <p:cTn id="1" dur="indefinite" restart="never" nodeType="tmRoot"/>
+      </p:par>
+    </p:tnLst>
+  </p:timing>
 </p:sld>
 </file>
 
@@ -3219,9 +4127,9 @@
         <a:latin typeface="Calibri Light" panose="020F0302020204030204"/>
         <a:ea typeface=""/>
         <a:cs typeface=""/>
-        <a:font script="Jpan" typeface="游ゴシック Light"/>
+        <a:font script="Jpan" typeface="ＭＳ Ｐゴシック"/>
         <a:font script="Hang" typeface="맑은 고딕"/>
-        <a:font script="Hans" typeface="等线 Light"/>
+        <a:font script="Hans" typeface="宋体"/>
         <a:font script="Hant" typeface="新細明體"/>
         <a:font script="Arab" typeface="Times New Roman"/>
         <a:font script="Hebr" typeface="Times New Roman"/>
@@ -3254,9 +4162,9 @@
         <a:latin typeface="Calibri" panose="020F0502020204030204"/>
         <a:ea typeface=""/>
         <a:cs typeface=""/>
-        <a:font script="Jpan" typeface="游ゴシック"/>
+        <a:font script="Jpan" typeface="ＭＳ Ｐゴシック"/>
         <a:font script="Hang" typeface="맑은 고딕"/>
-        <a:font script="Hans" typeface="等线"/>
+        <a:font script="Hans" typeface="宋体"/>
         <a:font script="Hant" typeface="新細明體"/>
         <a:font script="Arab" typeface="Arial"/>
         <a:font script="Hebr" typeface="Arial"/>

--- a/MapSize.pptx
+++ b/MapSize.pptx
@@ -7,6 +7,7 @@
   <p:sldIdLst>
     <p:sldId id="256" r:id="rId2"/>
     <p:sldId id="257" r:id="rId3"/>
+    <p:sldId id="258" r:id="rId4"/>
   </p:sldIdLst>
   <p:sldSz cx="38100000" cy="10287000"/>
   <p:notesSz cx="6858000" cy="9144000"/>
@@ -3022,11 +3023,7 @@
             <a:pPr algn="ctr"/>
             <a:r>
               <a:rPr lang="en-US" altLang="ko-KR" sz="4800" dirty="0"/>
-              <a:t>16 x </a:t>
-            </a:r>
-            <a:r>
-              <a:rPr lang="en-US" altLang="ko-KR" sz="4800" dirty="0"/>
-              <a:t>8</a:t>
+              <a:t>16 x 8</a:t>
             </a:r>
           </a:p>
           <a:p>
@@ -3156,11 +3153,7 @@
             <a:pPr algn="ctr"/>
             <a:r>
               <a:rPr lang="en-US" altLang="ko-KR" sz="4800" dirty="0"/>
-              <a:t>16 x </a:t>
-            </a:r>
-            <a:r>
-              <a:rPr lang="en-US" altLang="ko-KR" sz="4800" dirty="0"/>
-              <a:t>8</a:t>
+              <a:t>16 x 8</a:t>
             </a:r>
           </a:p>
           <a:p>
@@ -3225,11 +3218,7 @@
             <a:pPr algn="ctr"/>
             <a:r>
               <a:rPr lang="en-US" altLang="ko-KR" sz="4800" dirty="0"/>
-              <a:t>16 x </a:t>
-            </a:r>
-            <a:r>
-              <a:rPr lang="en-US" altLang="ko-KR" sz="4800" dirty="0"/>
-              <a:t>8</a:t>
+              <a:t>16 x 8</a:t>
             </a:r>
           </a:p>
           <a:p>
@@ -3580,11 +3569,7 @@
             <a:pPr algn="ctr"/>
             <a:r>
               <a:rPr lang="en-US" altLang="ko-KR" sz="4800" dirty="0"/>
-              <a:t>16 x </a:t>
-            </a:r>
-            <a:r>
-              <a:rPr lang="en-US" altLang="ko-KR" sz="4800" dirty="0"/>
-              <a:t>8</a:t>
+              <a:t>16 x 8</a:t>
             </a:r>
           </a:p>
           <a:p>
@@ -3714,11 +3699,7 @@
             <a:pPr algn="ctr"/>
             <a:r>
               <a:rPr lang="en-US" altLang="ko-KR" sz="4800" dirty="0"/>
-              <a:t>16 x </a:t>
-            </a:r>
-            <a:r>
-              <a:rPr lang="en-US" altLang="ko-KR" sz="4800" dirty="0"/>
-              <a:t>8</a:t>
+              <a:t>16 x 8</a:t>
             </a:r>
           </a:p>
           <a:p>
@@ -3783,11 +3764,7 @@
             <a:pPr algn="ctr"/>
             <a:r>
               <a:rPr lang="en-US" altLang="ko-KR" sz="4800" dirty="0"/>
-              <a:t>16 x </a:t>
-            </a:r>
-            <a:r>
-              <a:rPr lang="en-US" altLang="ko-KR" sz="4800" dirty="0"/>
-              <a:t>8</a:t>
+              <a:t>16 x 8</a:t>
             </a:r>
           </a:p>
           <a:p>
@@ -4065,6 +4042,326 @@
     <p:extLst>
       <p:ext uri="{BB962C8B-B14F-4D97-AF65-F5344CB8AC3E}">
         <p14:creationId xmlns:p14="http://schemas.microsoft.com/office/powerpoint/2010/main" val="1921655118"/>
+      </p:ext>
+    </p:extLst>
+  </p:cSld>
+  <p:clrMapOvr>
+    <a:masterClrMapping/>
+  </p:clrMapOvr>
+  <p:timing>
+    <p:tnLst>
+      <p:par>
+        <p:cTn id="1" dur="indefinite" restart="never" nodeType="tmRoot"/>
+      </p:par>
+    </p:tnLst>
+  </p:timing>
+</p:sld>
+</file>
+
+<file path=ppt/slides/slide3.xml><?xml version="1.0" encoding="utf-8"?>
+<p:sld xmlns:a="http://schemas.openxmlformats.org/drawingml/2006/main" xmlns:r="http://schemas.openxmlformats.org/officeDocument/2006/relationships" xmlns:p="http://schemas.openxmlformats.org/presentationml/2006/main">
+  <p:cSld>
+    <p:spTree>
+      <p:nvGrpSpPr>
+        <p:cNvPr id="1" name=""/>
+        <p:cNvGrpSpPr/>
+        <p:nvPr/>
+      </p:nvGrpSpPr>
+      <p:grpSpPr>
+        <a:xfrm>
+          <a:off x="0" y="0"/>
+          <a:ext cx="0" cy="0"/>
+          <a:chOff x="0" y="0"/>
+          <a:chExt cx="0" cy="0"/>
+        </a:xfrm>
+      </p:grpSpPr>
+      <p:pic>
+        <p:nvPicPr>
+          <p:cNvPr id="9" name="그림 8"/>
+          <p:cNvPicPr>
+            <a:picLocks noChangeAspect="1"/>
+          </p:cNvPicPr>
+          <p:nvPr/>
+        </p:nvPicPr>
+        <p:blipFill>
+          <a:blip r:embed="rId2">
+            <a:extLst>
+              <a:ext uri="{28A0092B-C50C-407E-A947-70E740481C1C}">
+                <a14:useLocalDpi xmlns:a14="http://schemas.microsoft.com/office/drawing/2010/main" val="0"/>
+              </a:ext>
+            </a:extLst>
+          </a:blip>
+          <a:stretch>
+            <a:fillRect/>
+          </a:stretch>
+        </p:blipFill>
+        <p:spPr>
+          <a:xfrm>
+            <a:off x="3439005" y="7219522"/>
+            <a:ext cx="12298491" cy="3067478"/>
+          </a:xfrm>
+          <a:prstGeom prst="rect">
+            <a:avLst/>
+          </a:prstGeom>
+        </p:spPr>
+      </p:pic>
+      <p:pic>
+        <p:nvPicPr>
+          <p:cNvPr id="10" name="그림 9"/>
+          <p:cNvPicPr>
+            <a:picLocks noChangeAspect="1"/>
+          </p:cNvPicPr>
+          <p:nvPr/>
+        </p:nvPicPr>
+        <p:blipFill>
+          <a:blip r:embed="rId3">
+            <a:extLst>
+              <a:ext uri="{28A0092B-C50C-407E-A947-70E740481C1C}">
+                <a14:useLocalDpi xmlns:a14="http://schemas.microsoft.com/office/drawing/2010/main" val="0"/>
+              </a:ext>
+            </a:extLst>
+          </a:blip>
+          <a:stretch>
+            <a:fillRect/>
+          </a:stretch>
+        </p:blipFill>
+        <p:spPr>
+          <a:xfrm>
+            <a:off x="15737496" y="7543417"/>
+            <a:ext cx="2743583" cy="2743583"/>
+          </a:xfrm>
+          <a:prstGeom prst="rect">
+            <a:avLst/>
+          </a:prstGeom>
+        </p:spPr>
+      </p:pic>
+      <p:sp>
+        <p:nvSpPr>
+          <p:cNvPr id="13" name="직사각형 12"/>
+          <p:cNvSpPr/>
+          <p:nvPr/>
+        </p:nvSpPr>
+        <p:spPr>
+          <a:xfrm>
+            <a:off x="0" y="0"/>
+            <a:ext cx="18288000" cy="10287000"/>
+          </a:xfrm>
+          <a:prstGeom prst="rect">
+            <a:avLst/>
+          </a:prstGeom>
+          <a:noFill/>
+          <a:ln w="38100">
+            <a:solidFill>
+              <a:srgbClr val="FF0000"/>
+            </a:solidFill>
+          </a:ln>
+        </p:spPr>
+        <p:style>
+          <a:lnRef idx="2">
+            <a:schemeClr val="accent1">
+              <a:shade val="50000"/>
+            </a:schemeClr>
+          </a:lnRef>
+          <a:fillRef idx="1">
+            <a:schemeClr val="accent1"/>
+          </a:fillRef>
+          <a:effectRef idx="0">
+            <a:schemeClr val="accent1"/>
+          </a:effectRef>
+          <a:fontRef idx="minor">
+            <a:schemeClr val="lt1"/>
+          </a:fontRef>
+        </p:style>
+        <p:txBody>
+          <a:bodyPr rot="0" spcFirstLastPara="0" vertOverflow="overflow" horzOverflow="overflow" vert="horz" wrap="square" lIns="91440" tIns="45720" rIns="91440" bIns="45720" numCol="1" spcCol="0" rtlCol="0" fromWordArt="0" anchor="ctr" anchorCtr="0" forceAA="0" compatLnSpc="1">
+            <a:prstTxWarp prst="textNoShape">
+              <a:avLst/>
+            </a:prstTxWarp>
+            <a:noAutofit/>
+          </a:bodyPr>
+          <a:lstStyle/>
+          <a:p>
+            <a:pPr algn="ctr"/>
+            <a:r>
+              <a:rPr lang="ko-KR" altLang="en-US" sz="5400" dirty="0">
+                <a:solidFill>
+                  <a:schemeClr val="tx1"/>
+                </a:solidFill>
+              </a:rPr>
+              <a:t>화면 크기</a:t>
+            </a:r>
+          </a:p>
+        </p:txBody>
+      </p:sp>
+      <p:pic>
+        <p:nvPicPr>
+          <p:cNvPr id="11" name="그림 10"/>
+          <p:cNvPicPr>
+            <a:picLocks noChangeAspect="1"/>
+          </p:cNvPicPr>
+          <p:nvPr/>
+        </p:nvPicPr>
+        <p:blipFill>
+          <a:blip r:embed="rId4">
+            <a:extLst>
+              <a:ext uri="{28A0092B-C50C-407E-A947-70E740481C1C}">
+                <a14:useLocalDpi xmlns:a14="http://schemas.microsoft.com/office/drawing/2010/main" val="0"/>
+              </a:ext>
+            </a:extLst>
+          </a:blip>
+          <a:stretch>
+            <a:fillRect/>
+          </a:stretch>
+        </p:blipFill>
+        <p:spPr>
+          <a:xfrm>
+            <a:off x="0" y="7390996"/>
+            <a:ext cx="3439005" cy="2896004"/>
+          </a:xfrm>
+          <a:prstGeom prst="rect">
+            <a:avLst/>
+          </a:prstGeom>
+        </p:spPr>
+      </p:pic>
+      <p:sp>
+        <p:nvSpPr>
+          <p:cNvPr id="14" name="TextBox 13"/>
+          <p:cNvSpPr txBox="1"/>
+          <p:nvPr/>
+        </p:nvSpPr>
+        <p:spPr>
+          <a:xfrm>
+            <a:off x="945696" y="8753261"/>
+            <a:ext cx="1445342" cy="369332"/>
+          </a:xfrm>
+          <a:prstGeom prst="rect">
+            <a:avLst/>
+          </a:prstGeom>
+          <a:noFill/>
+        </p:spPr>
+        <p:txBody>
+          <a:bodyPr wrap="square" rtlCol="0">
+            <a:spAutoFit/>
+          </a:bodyPr>
+          <a:lstStyle/>
+          <a:p>
+            <a:r>
+              <a:rPr lang="ko-KR" altLang="en-US" dirty="0" err="1" smtClean="0"/>
+              <a:t>미니맵</a:t>
+            </a:r>
+            <a:endParaRPr lang="ko-KR" altLang="en-US" dirty="0"/>
+          </a:p>
+        </p:txBody>
+      </p:sp>
+      <p:sp>
+        <p:nvSpPr>
+          <p:cNvPr id="15" name="TextBox 14"/>
+          <p:cNvSpPr txBox="1"/>
+          <p:nvPr/>
+        </p:nvSpPr>
+        <p:spPr>
+          <a:xfrm>
+            <a:off x="7403810" y="8838998"/>
+            <a:ext cx="1095869" cy="369332"/>
+          </a:xfrm>
+          <a:prstGeom prst="rect">
+            <a:avLst/>
+          </a:prstGeom>
+          <a:noFill/>
+        </p:spPr>
+        <p:txBody>
+          <a:bodyPr wrap="square" rtlCol="0">
+            <a:spAutoFit/>
+          </a:bodyPr>
+          <a:lstStyle/>
+          <a:p>
+            <a:r>
+              <a:rPr lang="ko-KR" altLang="en-US" dirty="0" err="1" smtClean="0"/>
+              <a:t>정보창</a:t>
+            </a:r>
+            <a:endParaRPr lang="en-US" altLang="ko-KR" dirty="0" smtClean="0"/>
+          </a:p>
+        </p:txBody>
+      </p:sp>
+      <p:sp>
+        <p:nvSpPr>
+          <p:cNvPr id="17" name="TextBox 16"/>
+          <p:cNvSpPr txBox="1"/>
+          <p:nvPr/>
+        </p:nvSpPr>
+        <p:spPr>
+          <a:xfrm>
+            <a:off x="12607182" y="8730542"/>
+            <a:ext cx="2249755" cy="369332"/>
+          </a:xfrm>
+          <a:prstGeom prst="rect">
+            <a:avLst/>
+          </a:prstGeom>
+          <a:noFill/>
+        </p:spPr>
+        <p:txBody>
+          <a:bodyPr wrap="square" rtlCol="0">
+            <a:spAutoFit/>
+          </a:bodyPr>
+          <a:lstStyle/>
+          <a:p>
+            <a:r>
+              <a:rPr lang="ko-KR" altLang="en-US" dirty="0" err="1" smtClean="0"/>
+              <a:t>테트리스</a:t>
+            </a:r>
+            <a:r>
+              <a:rPr lang="ko-KR" altLang="en-US" dirty="0" smtClean="0"/>
+              <a:t> 슬롯 </a:t>
+            </a:r>
+            <a:r>
+              <a:rPr lang="en-US" altLang="ko-KR" dirty="0" smtClean="0"/>
+              <a:t>(</a:t>
+            </a:r>
+            <a:r>
+              <a:rPr lang="ko-KR" altLang="en-US" dirty="0" smtClean="0"/>
+              <a:t>선택</a:t>
+            </a:r>
+            <a:r>
+              <a:rPr lang="en-US" altLang="ko-KR" dirty="0" smtClean="0"/>
+              <a:t>)</a:t>
+            </a:r>
+          </a:p>
+        </p:txBody>
+      </p:sp>
+      <p:sp>
+        <p:nvSpPr>
+          <p:cNvPr id="18" name="TextBox 17"/>
+          <p:cNvSpPr txBox="1"/>
+          <p:nvPr/>
+        </p:nvSpPr>
+        <p:spPr>
+          <a:xfrm>
+            <a:off x="16517819" y="8753261"/>
+            <a:ext cx="1182936" cy="369332"/>
+          </a:xfrm>
+          <a:prstGeom prst="rect">
+            <a:avLst/>
+          </a:prstGeom>
+          <a:noFill/>
+        </p:spPr>
+        <p:txBody>
+          <a:bodyPr wrap="square" rtlCol="0">
+            <a:spAutoFit/>
+          </a:bodyPr>
+          <a:lstStyle/>
+          <a:p>
+            <a:r>
+              <a:rPr lang="ko-KR" altLang="en-US" smtClean="0"/>
+              <a:t>기타 슬롯</a:t>
+            </a:r>
+            <a:endParaRPr lang="en-US" altLang="ko-KR" dirty="0" smtClean="0"/>
+          </a:p>
+        </p:txBody>
+      </p:sp>
+    </p:spTree>
+    <p:extLst>
+      <p:ext uri="{BB962C8B-B14F-4D97-AF65-F5344CB8AC3E}">
+        <p14:creationId xmlns:p14="http://schemas.microsoft.com/office/powerpoint/2010/main" val="2423034544"/>
       </p:ext>
     </p:extLst>
   </p:cSld>
